--- a/ppt/6. Verilog 行为建模.pptx
+++ b/ppt/6. Verilog 行为建模.pptx
@@ -5,29 +5,33 @@
     <p:sldMasterId id="2147483684" r:id="rId1"/>
   </p:sldMasterIdLst>
   <p:notesMasterIdLst>
-    <p:notesMasterId r:id="rId22"/>
+    <p:notesMasterId r:id="rId26"/>
   </p:notesMasterIdLst>
   <p:sldIdLst>
     <p:sldId id="256" r:id="rId2"/>
     <p:sldId id="369" r:id="rId3"/>
     <p:sldId id="257" r:id="rId4"/>
     <p:sldId id="370" r:id="rId5"/>
-    <p:sldId id="371" r:id="rId6"/>
-    <p:sldId id="372" r:id="rId7"/>
-    <p:sldId id="373" r:id="rId8"/>
-    <p:sldId id="374" r:id="rId9"/>
-    <p:sldId id="375" r:id="rId10"/>
-    <p:sldId id="376" r:id="rId11"/>
-    <p:sldId id="377" r:id="rId12"/>
-    <p:sldId id="378" r:id="rId13"/>
-    <p:sldId id="379" r:id="rId14"/>
-    <p:sldId id="380" r:id="rId15"/>
-    <p:sldId id="381" r:id="rId16"/>
-    <p:sldId id="382" r:id="rId17"/>
-    <p:sldId id="383" r:id="rId18"/>
-    <p:sldId id="384" r:id="rId19"/>
-    <p:sldId id="385" r:id="rId20"/>
-    <p:sldId id="386" r:id="rId21"/>
+    <p:sldId id="387" r:id="rId6"/>
+    <p:sldId id="388" r:id="rId7"/>
+    <p:sldId id="389" r:id="rId8"/>
+    <p:sldId id="390" r:id="rId9"/>
+    <p:sldId id="371" r:id="rId10"/>
+    <p:sldId id="372" r:id="rId11"/>
+    <p:sldId id="373" r:id="rId12"/>
+    <p:sldId id="374" r:id="rId13"/>
+    <p:sldId id="375" r:id="rId14"/>
+    <p:sldId id="376" r:id="rId15"/>
+    <p:sldId id="377" r:id="rId16"/>
+    <p:sldId id="378" r:id="rId17"/>
+    <p:sldId id="379" r:id="rId18"/>
+    <p:sldId id="380" r:id="rId19"/>
+    <p:sldId id="381" r:id="rId20"/>
+    <p:sldId id="382" r:id="rId21"/>
+    <p:sldId id="383" r:id="rId22"/>
+    <p:sldId id="384" r:id="rId23"/>
+    <p:sldId id="385" r:id="rId24"/>
+    <p:sldId id="386" r:id="rId25"/>
   </p:sldIdLst>
   <p:sldSz cx="9144000" cy="6858000" type="screen4x3"/>
   <p:notesSz cx="6858000" cy="9144000"/>
@@ -158,7 +162,7 @@
   </p:defaultTextStyle>
   <p:extLst>
     <p:ext uri="{EFAFB233-063F-42B5-8137-9DF3F51BA10A}">
-      <p15:sldGuideLst xmlns:p15="http://schemas.microsoft.com/office/powerpoint/2012/main"/>
+      <p15:sldGuideLst xmlns:p15="http://schemas.microsoft.com/office/powerpoint/2012/main" xmlns=""/>
     </p:ext>
   </p:extLst>
 </p:presentation>
@@ -246,7 +250,7 @@
           <a:p>
             <a:fld id="{ED57135E-3DB3-41DD-A688-34C4775A5448}" type="datetimeFigureOut">
               <a:rPr lang="zh-CN" altLang="en-US" smtClean="0"/>
-              <a:t>2019/7/22</a:t>
+              <a:t>2019/10/8</a:t>
             </a:fld>
             <a:endParaRPr lang="zh-CN" altLang="en-US"/>
           </a:p>
@@ -3756,7 +3760,7 @@
           <p:cNvPr id="2" name="标题 1">
             <a:extLst>
               <a:ext uri="{FF2B5EF4-FFF2-40B4-BE49-F238E27FC236}">
-                <a16:creationId xmlns:a16="http://schemas.microsoft.com/office/drawing/2014/main" id="{3EA1FEBF-530B-420F-A5D0-588B12EE8104}"/>
+                <a16:creationId xmlns:a16="http://schemas.microsoft.com/office/drawing/2014/main" xmlns="" id="{3EA1FEBF-530B-420F-A5D0-588B12EE8104}"/>
               </a:ext>
             </a:extLst>
           </p:cNvPr>
@@ -3784,7 +3788,7 @@
           <p:cNvPr id="3" name="副标题 2">
             <a:extLst>
               <a:ext uri="{FF2B5EF4-FFF2-40B4-BE49-F238E27FC236}">
-                <a16:creationId xmlns:a16="http://schemas.microsoft.com/office/drawing/2014/main" id="{C17EB4DE-5116-4A37-B4AA-603D985E3ADA}"/>
+                <a16:creationId xmlns:a16="http://schemas.microsoft.com/office/drawing/2014/main" xmlns="" id="{C17EB4DE-5116-4A37-B4AA-603D985E3ADA}"/>
               </a:ext>
             </a:extLst>
           </p:cNvPr>
@@ -3845,7 +3849,7 @@
           <p:cNvPr id="2" name="标题 1">
             <a:extLst>
               <a:ext uri="{FF2B5EF4-FFF2-40B4-BE49-F238E27FC236}">
-                <a16:creationId xmlns:a16="http://schemas.microsoft.com/office/drawing/2014/main" id="{3BCE55F5-8238-49B5-9D87-AD58C2D5E072}"/>
+                <a16:creationId xmlns:a16="http://schemas.microsoft.com/office/drawing/2014/main" xmlns="" id="{7048E919-39E5-4322-9644-B0AD9B06D62D}"/>
               </a:ext>
             </a:extLst>
           </p:cNvPr>
@@ -3862,6 +3866,702 @@
           <a:lstStyle/>
           <a:p>
             <a:r>
+              <a:rPr lang="zh-CN" altLang="en-US" b="0"/>
+              <a:t>过程时序控制</a:t>
+            </a:r>
+            <a:endParaRPr lang="zh-CN" altLang="en-US"/>
+          </a:p>
+        </p:txBody>
+      </p:sp>
+      <p:sp>
+        <p:nvSpPr>
+          <p:cNvPr id="3" name="内容占位符 2">
+            <a:extLst>
+              <a:ext uri="{FF2B5EF4-FFF2-40B4-BE49-F238E27FC236}">
+                <a16:creationId xmlns:a16="http://schemas.microsoft.com/office/drawing/2014/main" xmlns="" id="{C3E61F77-E95A-4973-B0F9-2755AD5D1FA5}"/>
+              </a:ext>
+            </a:extLst>
+          </p:cNvPr>
+          <p:cNvSpPr>
+            <a:spLocks noGrp="1"/>
+          </p:cNvSpPr>
+          <p:nvPr>
+            <p:ph idx="1"/>
+          </p:nvPr>
+        </p:nvSpPr>
+        <p:spPr/>
+        <p:txBody>
+          <a:bodyPr/>
+          <a:lstStyle/>
+          <a:p>
+            <a:pPr marL="0" indent="0">
+              <a:buNone/>
+            </a:pPr>
+            <a:r>
+              <a:rPr lang="zh-CN" altLang="en-US" dirty="0"/>
+              <a:t>在过程块中可以说明过程时序。过程时序控制有两类：</a:t>
+            </a:r>
+            <a:endParaRPr lang="en-US" altLang="zh-CN" dirty="0"/>
+          </a:p>
+          <a:p>
+            <a:r>
+              <a:rPr lang="zh-CN" altLang="en-US" dirty="0"/>
+              <a:t>简单延时</a:t>
+            </a:r>
+            <a:r>
+              <a:rPr lang="en-US" altLang="zh-CN" dirty="0">
+                <a:solidFill>
+                  <a:srgbClr val="FF0000"/>
+                </a:solidFill>
+              </a:rPr>
+              <a:t>(#delay)</a:t>
+            </a:r>
+            <a:r>
+              <a:rPr lang="zh-CN" altLang="en-US" dirty="0"/>
+              <a:t>：延迟指定时间步后执行</a:t>
+            </a:r>
+            <a:endParaRPr lang="en-US" altLang="zh-CN" dirty="0"/>
+          </a:p>
+          <a:p>
+            <a:r>
+              <a:rPr lang="zh-CN" altLang="en-US" dirty="0"/>
+              <a:t>边沿敏感的时序控制：</a:t>
+            </a:r>
+            <a:r>
+              <a:rPr lang="en-US" altLang="zh-CN" dirty="0"/>
+              <a:t>@(&lt;signal&gt;)</a:t>
+            </a:r>
+          </a:p>
+          <a:p>
+            <a:pPr marL="0" indent="0">
+              <a:buNone/>
+            </a:pPr>
+            <a:r>
+              <a:rPr lang="en-US" altLang="zh-CN" dirty="0"/>
+              <a:t>–</a:t>
+            </a:r>
+            <a:r>
+              <a:rPr lang="zh-CN" altLang="en-US" dirty="0"/>
+              <a:t>在信号发生翻转后执行。</a:t>
+            </a:r>
+            <a:endParaRPr lang="en-US" altLang="zh-CN" dirty="0"/>
+          </a:p>
+          <a:p>
+            <a:pPr marL="0" indent="0">
+              <a:buNone/>
+            </a:pPr>
+            <a:r>
+              <a:rPr lang="en-US" altLang="zh-CN" dirty="0"/>
+              <a:t>–</a:t>
+            </a:r>
+            <a:r>
+              <a:rPr lang="zh-CN" altLang="en-US" dirty="0"/>
+              <a:t>可以说明信号有效沿是上升沿</a:t>
+            </a:r>
+            <a:r>
+              <a:rPr lang="en-US" altLang="zh-CN" dirty="0"/>
+              <a:t>(</a:t>
+            </a:r>
+            <a:r>
+              <a:rPr lang="en-US" altLang="zh-CN" dirty="0" err="1"/>
+              <a:t>posedge</a:t>
+            </a:r>
+            <a:r>
+              <a:rPr lang="en-US" altLang="zh-CN" dirty="0"/>
+              <a:t>)</a:t>
+            </a:r>
+            <a:r>
+              <a:rPr lang="zh-CN" altLang="en-US" dirty="0"/>
+              <a:t>还是下降沿</a:t>
+            </a:r>
+            <a:r>
+              <a:rPr lang="en-US" altLang="zh-CN" dirty="0"/>
+              <a:t>(</a:t>
+            </a:r>
+            <a:r>
+              <a:rPr lang="en-US" altLang="zh-CN" dirty="0" err="1"/>
+              <a:t>negedge</a:t>
+            </a:r>
+            <a:r>
+              <a:rPr lang="en-US" altLang="zh-CN" dirty="0"/>
+              <a:t>)</a:t>
+            </a:r>
+            <a:r>
+              <a:rPr lang="zh-CN" altLang="en-US" dirty="0"/>
+              <a:t>。</a:t>
+            </a:r>
+            <a:endParaRPr lang="en-US" altLang="zh-CN" dirty="0"/>
+          </a:p>
+          <a:p>
+            <a:pPr marL="0" indent="0">
+              <a:buNone/>
+            </a:pPr>
+            <a:r>
+              <a:rPr lang="en-US" altLang="zh-CN" dirty="0"/>
+              <a:t>–</a:t>
+            </a:r>
+            <a:r>
+              <a:rPr lang="zh-CN" altLang="en-US" dirty="0"/>
+              <a:t>可以用关键字</a:t>
+            </a:r>
+            <a:r>
+              <a:rPr lang="en-US" altLang="zh-CN" dirty="0"/>
+              <a:t>or</a:t>
+            </a:r>
+            <a:r>
+              <a:rPr lang="zh-CN" altLang="en-US" dirty="0"/>
+              <a:t>指定多个参数。</a:t>
+            </a:r>
+          </a:p>
+        </p:txBody>
+      </p:sp>
+    </p:spTree>
+    <p:extLst>
+      <p:ext uri="{BB962C8B-B14F-4D97-AF65-F5344CB8AC3E}">
+        <p14:creationId xmlns:p14="http://schemas.microsoft.com/office/powerpoint/2010/main" val="429502198"/>
+      </p:ext>
+    </p:extLst>
+  </p:cSld>
+  <p:clrMapOvr>
+    <a:masterClrMapping/>
+  </p:clrMapOvr>
+  <p:timing>
+    <p:tnLst>
+      <p:par>
+        <p:cTn id="1" dur="indefinite" restart="never" nodeType="tmRoot"/>
+      </p:par>
+    </p:tnLst>
+  </p:timing>
+</p:sld>
+</file>
+
+<file path=ppt/slides/slide11.xml><?xml version="1.0" encoding="utf-8"?>
+<p:sld xmlns:a="http://schemas.openxmlformats.org/drawingml/2006/main" xmlns:r="http://schemas.openxmlformats.org/officeDocument/2006/relationships" xmlns:p="http://schemas.openxmlformats.org/presentationml/2006/main">
+  <p:cSld>
+    <p:spTree>
+      <p:nvGrpSpPr>
+        <p:cNvPr id="1" name=""/>
+        <p:cNvGrpSpPr/>
+        <p:nvPr/>
+      </p:nvGrpSpPr>
+      <p:grpSpPr>
+        <a:xfrm>
+          <a:off x="0" y="0"/>
+          <a:ext cx="0" cy="0"/>
+          <a:chOff x="0" y="0"/>
+          <a:chExt cx="0" cy="0"/>
+        </a:xfrm>
+      </p:grpSpPr>
+      <p:sp>
+        <p:nvSpPr>
+          <p:cNvPr id="2" name="标题 1">
+            <a:extLst>
+              <a:ext uri="{FF2B5EF4-FFF2-40B4-BE49-F238E27FC236}">
+                <a16:creationId xmlns:a16="http://schemas.microsoft.com/office/drawing/2014/main" xmlns="" id="{10ED9C34-8207-4DC5-B4A5-47546BA44DAF}"/>
+              </a:ext>
+            </a:extLst>
+          </p:cNvPr>
+          <p:cNvSpPr>
+            <a:spLocks noGrp="1"/>
+          </p:cNvSpPr>
+          <p:nvPr>
+            <p:ph type="title"/>
+          </p:nvPr>
+        </p:nvSpPr>
+        <p:spPr/>
+        <p:txBody>
+          <a:bodyPr/>
+          <a:lstStyle/>
+          <a:p>
+            <a:r>
+              <a:rPr lang="zh-CN" altLang="en-US" b="0" dirty="0"/>
+              <a:t>简单延时</a:t>
+            </a:r>
+            <a:endParaRPr lang="zh-CN" altLang="en-US" dirty="0"/>
+          </a:p>
+        </p:txBody>
+      </p:sp>
+      <p:sp>
+        <p:nvSpPr>
+          <p:cNvPr id="3" name="内容占位符 2">
+            <a:extLst>
+              <a:ext uri="{FF2B5EF4-FFF2-40B4-BE49-F238E27FC236}">
+                <a16:creationId xmlns:a16="http://schemas.microsoft.com/office/drawing/2014/main" xmlns="" id="{D0327BBF-ED03-4132-A909-94B00690D6CD}"/>
+              </a:ext>
+            </a:extLst>
+          </p:cNvPr>
+          <p:cNvSpPr>
+            <a:spLocks noGrp="1"/>
+          </p:cNvSpPr>
+          <p:nvPr>
+            <p:ph idx="1"/>
+          </p:nvPr>
+        </p:nvSpPr>
+        <p:spPr/>
+        <p:txBody>
+          <a:bodyPr/>
+          <a:lstStyle/>
+          <a:p>
+            <a:endParaRPr lang="zh-CN" altLang="en-US"/>
+          </a:p>
+        </p:txBody>
+      </p:sp>
+      <p:pic>
+        <p:nvPicPr>
+          <p:cNvPr id="4" name="图片 3">
+            <a:extLst>
+              <a:ext uri="{FF2B5EF4-FFF2-40B4-BE49-F238E27FC236}">
+                <a16:creationId xmlns:a16="http://schemas.microsoft.com/office/drawing/2014/main" xmlns="" id="{C0A4E2B4-1D3C-4501-AB8E-6DB6B9C1C581}"/>
+              </a:ext>
+            </a:extLst>
+          </p:cNvPr>
+          <p:cNvPicPr>
+            <a:picLocks noChangeAspect="1"/>
+          </p:cNvPicPr>
+          <p:nvPr/>
+        </p:nvPicPr>
+        <p:blipFill>
+          <a:blip r:embed="rId2"/>
+          <a:stretch>
+            <a:fillRect/>
+          </a:stretch>
+        </p:blipFill>
+        <p:spPr>
+          <a:xfrm>
+            <a:off x="0" y="838723"/>
+            <a:ext cx="9144000" cy="6038974"/>
+          </a:xfrm>
+          <a:prstGeom prst="rect">
+            <a:avLst/>
+          </a:prstGeom>
+        </p:spPr>
+      </p:pic>
+      <p:sp>
+        <p:nvSpPr>
+          <p:cNvPr id="5" name="矩形 4"/>
+          <p:cNvSpPr/>
+          <p:nvPr/>
+        </p:nvSpPr>
+        <p:spPr>
+          <a:xfrm>
+            <a:off x="4916384" y="3455719"/>
+            <a:ext cx="2980707" cy="2291938"/>
+          </a:xfrm>
+          <a:prstGeom prst="rect">
+            <a:avLst/>
+          </a:prstGeom>
+          <a:noFill/>
+          <a:ln>
+            <a:solidFill>
+              <a:srgbClr val="FF0000"/>
+            </a:solidFill>
+          </a:ln>
+        </p:spPr>
+        <p:style>
+          <a:lnRef idx="2">
+            <a:schemeClr val="accent1">
+              <a:shade val="50000"/>
+            </a:schemeClr>
+          </a:lnRef>
+          <a:fillRef idx="1">
+            <a:schemeClr val="accent1"/>
+          </a:fillRef>
+          <a:effectRef idx="0">
+            <a:schemeClr val="accent1"/>
+          </a:effectRef>
+          <a:fontRef idx="minor">
+            <a:schemeClr val="lt1"/>
+          </a:fontRef>
+        </p:style>
+        <p:txBody>
+          <a:bodyPr rtlCol="0" anchor="ctr"/>
+          <a:lstStyle/>
+          <a:p>
+            <a:pPr algn="ctr"/>
+            <a:endParaRPr lang="zh-CN" altLang="en-US"/>
+          </a:p>
+        </p:txBody>
+      </p:sp>
+    </p:spTree>
+    <p:extLst>
+      <p:ext uri="{BB962C8B-B14F-4D97-AF65-F5344CB8AC3E}">
+        <p14:creationId xmlns:p14="http://schemas.microsoft.com/office/powerpoint/2010/main" val="3107410541"/>
+      </p:ext>
+    </p:extLst>
+  </p:cSld>
+  <p:clrMapOvr>
+    <a:masterClrMapping/>
+  </p:clrMapOvr>
+  <p:timing>
+    <p:tnLst>
+      <p:par>
+        <p:cTn id="1" dur="indefinite" restart="never" nodeType="tmRoot">
+          <p:childTnLst>
+            <p:seq concurrent="1" nextAc="seek">
+              <p:cTn id="2" dur="indefinite" nodeType="mainSeq">
+                <p:childTnLst>
+                  <p:par>
+                    <p:cTn id="3" fill="hold">
+                      <p:stCondLst>
+                        <p:cond delay="indefinite"/>
+                      </p:stCondLst>
+                      <p:childTnLst>
+                        <p:par>
+                          <p:cTn id="4" fill="hold">
+                            <p:stCondLst>
+                              <p:cond delay="0"/>
+                            </p:stCondLst>
+                            <p:childTnLst>
+                              <p:par>
+                                <p:cTn id="5" presetID="10" presetClass="entr" presetSubtype="0" fill="hold" grpId="0" nodeType="clickEffect">
+                                  <p:stCondLst>
+                                    <p:cond delay="0"/>
+                                  </p:stCondLst>
+                                  <p:childTnLst>
+                                    <p:set>
+                                      <p:cBhvr>
+                                        <p:cTn id="6" dur="1" fill="hold">
+                                          <p:stCondLst>
+                                            <p:cond delay="0"/>
+                                          </p:stCondLst>
+                                        </p:cTn>
+                                        <p:tgtEl>
+                                          <p:spTgt spid="5"/>
+                                        </p:tgtEl>
+                                        <p:attrNameLst>
+                                          <p:attrName>style.visibility</p:attrName>
+                                        </p:attrNameLst>
+                                      </p:cBhvr>
+                                      <p:to>
+                                        <p:strVal val="visible"/>
+                                      </p:to>
+                                    </p:set>
+                                    <p:animEffect transition="in" filter="fade">
+                                      <p:cBhvr>
+                                        <p:cTn id="7" dur="500"/>
+                                        <p:tgtEl>
+                                          <p:spTgt spid="5"/>
+                                        </p:tgtEl>
+                                      </p:cBhvr>
+                                    </p:animEffect>
+                                  </p:childTnLst>
+                                </p:cTn>
+                              </p:par>
+                            </p:childTnLst>
+                          </p:cTn>
+                        </p:par>
+                      </p:childTnLst>
+                    </p:cTn>
+                  </p:par>
+                </p:childTnLst>
+              </p:cTn>
+              <p:prevCondLst>
+                <p:cond evt="onPrev" delay="0">
+                  <p:tgtEl>
+                    <p:sldTgt/>
+                  </p:tgtEl>
+                </p:cond>
+              </p:prevCondLst>
+              <p:nextCondLst>
+                <p:cond evt="onNext" delay="0">
+                  <p:tgtEl>
+                    <p:sldTgt/>
+                  </p:tgtEl>
+                </p:cond>
+              </p:nextCondLst>
+            </p:seq>
+          </p:childTnLst>
+        </p:cTn>
+      </p:par>
+    </p:tnLst>
+    <p:bldLst>
+      <p:bldP spid="5" grpId="0" animBg="1"/>
+    </p:bldLst>
+  </p:timing>
+</p:sld>
+</file>
+
+<file path=ppt/slides/slide12.xml><?xml version="1.0" encoding="utf-8"?>
+<p:sld xmlns:a="http://schemas.openxmlformats.org/drawingml/2006/main" xmlns:r="http://schemas.openxmlformats.org/officeDocument/2006/relationships" xmlns:p="http://schemas.openxmlformats.org/presentationml/2006/main">
+  <p:cSld>
+    <p:spTree>
+      <p:nvGrpSpPr>
+        <p:cNvPr id="1" name=""/>
+        <p:cNvGrpSpPr/>
+        <p:nvPr/>
+      </p:nvGrpSpPr>
+      <p:grpSpPr>
+        <a:xfrm>
+          <a:off x="0" y="0"/>
+          <a:ext cx="0" cy="0"/>
+          <a:chOff x="0" y="0"/>
+          <a:chExt cx="0" cy="0"/>
+        </a:xfrm>
+      </p:grpSpPr>
+      <p:sp>
+        <p:nvSpPr>
+          <p:cNvPr id="2" name="标题 1">
+            <a:extLst>
+              <a:ext uri="{FF2B5EF4-FFF2-40B4-BE49-F238E27FC236}">
+                <a16:creationId xmlns:a16="http://schemas.microsoft.com/office/drawing/2014/main" xmlns="" id="{F7460E86-EC6E-4F99-AF6A-18CA79F29A37}"/>
+              </a:ext>
+            </a:extLst>
+          </p:cNvPr>
+          <p:cNvSpPr>
+            <a:spLocks noGrp="1"/>
+          </p:cNvSpPr>
+          <p:nvPr>
+            <p:ph type="title"/>
+          </p:nvPr>
+        </p:nvSpPr>
+        <p:spPr/>
+        <p:txBody>
+          <a:bodyPr/>
+          <a:lstStyle/>
+          <a:p>
+            <a:r>
+              <a:rPr lang="zh-CN" altLang="en-US" b="0" dirty="0"/>
+              <a:t>边沿敏感时序</a:t>
+            </a:r>
+            <a:endParaRPr lang="zh-CN" altLang="en-US" dirty="0"/>
+          </a:p>
+        </p:txBody>
+      </p:sp>
+      <p:sp>
+        <p:nvSpPr>
+          <p:cNvPr id="3" name="内容占位符 2">
+            <a:extLst>
+              <a:ext uri="{FF2B5EF4-FFF2-40B4-BE49-F238E27FC236}">
+                <a16:creationId xmlns:a16="http://schemas.microsoft.com/office/drawing/2014/main" xmlns="" id="{7445A41F-2B27-4319-B20B-E58A361EED60}"/>
+              </a:ext>
+            </a:extLst>
+          </p:cNvPr>
+          <p:cNvSpPr>
+            <a:spLocks noGrp="1"/>
+          </p:cNvSpPr>
+          <p:nvPr>
+            <p:ph idx="1"/>
+          </p:nvPr>
+        </p:nvSpPr>
+        <p:spPr/>
+        <p:txBody>
+          <a:bodyPr/>
+          <a:lstStyle/>
+          <a:p>
+            <a:endParaRPr lang="zh-CN" altLang="en-US"/>
+          </a:p>
+        </p:txBody>
+      </p:sp>
+      <p:pic>
+        <p:nvPicPr>
+          <p:cNvPr id="4" name="图片 3">
+            <a:extLst>
+              <a:ext uri="{FF2B5EF4-FFF2-40B4-BE49-F238E27FC236}">
+                <a16:creationId xmlns:a16="http://schemas.microsoft.com/office/drawing/2014/main" xmlns="" id="{F69489A7-7434-4EC1-94C1-C110D5E03EBA}"/>
+              </a:ext>
+            </a:extLst>
+          </p:cNvPr>
+          <p:cNvPicPr>
+            <a:picLocks noChangeAspect="1"/>
+          </p:cNvPicPr>
+          <p:nvPr/>
+        </p:nvPicPr>
+        <p:blipFill>
+          <a:blip r:embed="rId2"/>
+          <a:stretch>
+            <a:fillRect/>
+          </a:stretch>
+        </p:blipFill>
+        <p:spPr>
+          <a:xfrm>
+            <a:off x="0" y="979046"/>
+            <a:ext cx="9144000" cy="5776990"/>
+          </a:xfrm>
+          <a:prstGeom prst="rect">
+            <a:avLst/>
+          </a:prstGeom>
+        </p:spPr>
+      </p:pic>
+    </p:spTree>
+    <p:extLst>
+      <p:ext uri="{BB962C8B-B14F-4D97-AF65-F5344CB8AC3E}">
+        <p14:creationId xmlns:p14="http://schemas.microsoft.com/office/powerpoint/2010/main" val="3325782757"/>
+      </p:ext>
+    </p:extLst>
+  </p:cSld>
+  <p:clrMapOvr>
+    <a:masterClrMapping/>
+  </p:clrMapOvr>
+  <p:timing>
+    <p:tnLst>
+      <p:par>
+        <p:cTn id="1" dur="indefinite" restart="never" nodeType="tmRoot"/>
+      </p:par>
+    </p:tnLst>
+  </p:timing>
+</p:sld>
+</file>
+
+<file path=ppt/slides/slide13.xml><?xml version="1.0" encoding="utf-8"?>
+<p:sld xmlns:a="http://schemas.openxmlformats.org/drawingml/2006/main" xmlns:r="http://schemas.openxmlformats.org/officeDocument/2006/relationships" xmlns:p="http://schemas.openxmlformats.org/presentationml/2006/main">
+  <p:cSld>
+    <p:spTree>
+      <p:nvGrpSpPr>
+        <p:cNvPr id="1" name=""/>
+        <p:cNvGrpSpPr/>
+        <p:nvPr/>
+      </p:nvGrpSpPr>
+      <p:grpSpPr>
+        <a:xfrm>
+          <a:off x="0" y="0"/>
+          <a:ext cx="0" cy="0"/>
+          <a:chOff x="0" y="0"/>
+          <a:chExt cx="0" cy="0"/>
+        </a:xfrm>
+      </p:grpSpPr>
+      <p:sp>
+        <p:nvSpPr>
+          <p:cNvPr id="2" name="标题 1">
+            <a:extLst>
+              <a:ext uri="{FF2B5EF4-FFF2-40B4-BE49-F238E27FC236}">
+                <a16:creationId xmlns:a16="http://schemas.microsoft.com/office/drawing/2014/main" xmlns="" id="{D1A72CC2-CA71-4822-BC92-A4B9CA9DFD99}"/>
+              </a:ext>
+            </a:extLst>
+          </p:cNvPr>
+          <p:cNvSpPr>
+            <a:spLocks noGrp="1"/>
+          </p:cNvSpPr>
+          <p:nvPr>
+            <p:ph type="title"/>
+          </p:nvPr>
+        </p:nvSpPr>
+        <p:spPr/>
+        <p:txBody>
+          <a:bodyPr/>
+          <a:lstStyle/>
+          <a:p>
+            <a:r>
+              <a:rPr lang="zh-CN" altLang="en-US" b="0" dirty="0"/>
+              <a:t>非阻塞过程赋值</a:t>
+            </a:r>
+            <a:endParaRPr lang="zh-CN" altLang="en-US" dirty="0"/>
+          </a:p>
+        </p:txBody>
+      </p:sp>
+      <p:sp>
+        <p:nvSpPr>
+          <p:cNvPr id="3" name="内容占位符 2">
+            <a:extLst>
+              <a:ext uri="{FF2B5EF4-FFF2-40B4-BE49-F238E27FC236}">
+                <a16:creationId xmlns:a16="http://schemas.microsoft.com/office/drawing/2014/main" xmlns="" id="{51FFC636-1037-4DDA-A295-17EE87940ABC}"/>
+              </a:ext>
+            </a:extLst>
+          </p:cNvPr>
+          <p:cNvSpPr>
+            <a:spLocks noGrp="1"/>
+          </p:cNvSpPr>
+          <p:nvPr>
+            <p:ph idx="1"/>
+          </p:nvPr>
+        </p:nvSpPr>
+        <p:spPr/>
+        <p:txBody>
+          <a:bodyPr/>
+          <a:lstStyle/>
+          <a:p>
+            <a:endParaRPr lang="zh-CN" altLang="en-US"/>
+          </a:p>
+        </p:txBody>
+      </p:sp>
+      <p:pic>
+        <p:nvPicPr>
+          <p:cNvPr id="4" name="图片 3">
+            <a:extLst>
+              <a:ext uri="{FF2B5EF4-FFF2-40B4-BE49-F238E27FC236}">
+                <a16:creationId xmlns:a16="http://schemas.microsoft.com/office/drawing/2014/main" xmlns="" id="{FC9F4800-9C79-4A98-BC1B-A46F10C62214}"/>
+              </a:ext>
+            </a:extLst>
+          </p:cNvPr>
+          <p:cNvPicPr>
+            <a:picLocks noChangeAspect="1"/>
+          </p:cNvPicPr>
+          <p:nvPr/>
+        </p:nvPicPr>
+        <p:blipFill>
+          <a:blip r:embed="rId2"/>
+          <a:stretch>
+            <a:fillRect/>
+          </a:stretch>
+        </p:blipFill>
+        <p:spPr>
+          <a:xfrm>
+            <a:off x="0" y="810812"/>
+            <a:ext cx="9144000" cy="6038814"/>
+          </a:xfrm>
+          <a:prstGeom prst="rect">
+            <a:avLst/>
+          </a:prstGeom>
+        </p:spPr>
+      </p:pic>
+    </p:spTree>
+    <p:extLst>
+      <p:ext uri="{BB962C8B-B14F-4D97-AF65-F5344CB8AC3E}">
+        <p14:creationId xmlns:p14="http://schemas.microsoft.com/office/powerpoint/2010/main" val="414321116"/>
+      </p:ext>
+    </p:extLst>
+  </p:cSld>
+  <p:clrMapOvr>
+    <a:masterClrMapping/>
+  </p:clrMapOvr>
+  <p:timing>
+    <p:tnLst>
+      <p:par>
+        <p:cTn id="1" dur="indefinite" restart="never" nodeType="tmRoot"/>
+      </p:par>
+    </p:tnLst>
+  </p:timing>
+</p:sld>
+</file>
+
+<file path=ppt/slides/slide14.xml><?xml version="1.0" encoding="utf-8"?>
+<p:sld xmlns:a="http://schemas.openxmlformats.org/drawingml/2006/main" xmlns:r="http://schemas.openxmlformats.org/officeDocument/2006/relationships" xmlns:p="http://schemas.openxmlformats.org/presentationml/2006/main">
+  <p:cSld>
+    <p:spTree>
+      <p:nvGrpSpPr>
+        <p:cNvPr id="1" name=""/>
+        <p:cNvGrpSpPr/>
+        <p:nvPr/>
+      </p:nvGrpSpPr>
+      <p:grpSpPr>
+        <a:xfrm>
+          <a:off x="0" y="0"/>
+          <a:ext cx="0" cy="0"/>
+          <a:chOff x="0" y="0"/>
+          <a:chExt cx="0" cy="0"/>
+        </a:xfrm>
+      </p:grpSpPr>
+      <p:sp>
+        <p:nvSpPr>
+          <p:cNvPr id="2" name="标题 1">
+            <a:extLst>
+              <a:ext uri="{FF2B5EF4-FFF2-40B4-BE49-F238E27FC236}">
+                <a16:creationId xmlns:a16="http://schemas.microsoft.com/office/drawing/2014/main" xmlns="" id="{3BCE55F5-8238-49B5-9D87-AD58C2D5E072}"/>
+              </a:ext>
+            </a:extLst>
+          </p:cNvPr>
+          <p:cNvSpPr>
+            <a:spLocks noGrp="1"/>
+          </p:cNvSpPr>
+          <p:nvPr>
+            <p:ph type="title"/>
+          </p:nvPr>
+        </p:nvSpPr>
+        <p:spPr/>
+        <p:txBody>
+          <a:bodyPr/>
+          <a:lstStyle/>
+          <a:p>
+            <a:r>
               <a:rPr lang="zh-CN" altLang="en-US" dirty="0"/>
               <a:t>举例</a:t>
             </a:r>
@@ -3873,7 +4573,7 @@
           <p:cNvPr id="4" name="内容占位符 3">
             <a:extLst>
               <a:ext uri="{FF2B5EF4-FFF2-40B4-BE49-F238E27FC236}">
-                <a16:creationId xmlns:a16="http://schemas.microsoft.com/office/drawing/2014/main" id="{F64F37EB-A6EA-4130-858D-5D9D285E8C40}"/>
+                <a16:creationId xmlns:a16="http://schemas.microsoft.com/office/drawing/2014/main" xmlns="" id="{F64F37EB-A6EA-4130-858D-5D9D285E8C40}"/>
               </a:ext>
             </a:extLst>
           </p:cNvPr>
@@ -3910,10 +4610,17 @@
   <p:clrMapOvr>
     <a:masterClrMapping/>
   </p:clrMapOvr>
+  <p:timing>
+    <p:tnLst>
+      <p:par>
+        <p:cTn id="1" dur="indefinite" restart="never" nodeType="tmRoot"/>
+      </p:par>
+    </p:tnLst>
+  </p:timing>
 </p:sld>
 </file>
 
-<file path=ppt/slides/slide11.xml><?xml version="1.0" encoding="utf-8"?>
+<file path=ppt/slides/slide15.xml><?xml version="1.0" encoding="utf-8"?>
 <p:sld xmlns:a="http://schemas.openxmlformats.org/drawingml/2006/main" xmlns:r="http://schemas.openxmlformats.org/officeDocument/2006/relationships" xmlns:p="http://schemas.openxmlformats.org/presentationml/2006/main">
   <p:cSld>
     <p:spTree>
@@ -3935,7 +4642,7 @@
           <p:cNvPr id="2" name="标题 1">
             <a:extLst>
               <a:ext uri="{FF2B5EF4-FFF2-40B4-BE49-F238E27FC236}">
-                <a16:creationId xmlns:a16="http://schemas.microsoft.com/office/drawing/2014/main" id="{3D4A5505-D0F5-4836-8D8E-C8D6D1A7D981}"/>
+                <a16:creationId xmlns:a16="http://schemas.microsoft.com/office/drawing/2014/main" xmlns="" id="{3D4A5505-D0F5-4836-8D8E-C8D6D1A7D981}"/>
               </a:ext>
             </a:extLst>
           </p:cNvPr>
@@ -3963,7 +4670,7 @@
           <p:cNvPr id="3" name="内容占位符 2">
             <a:extLst>
               <a:ext uri="{FF2B5EF4-FFF2-40B4-BE49-F238E27FC236}">
-                <a16:creationId xmlns:a16="http://schemas.microsoft.com/office/drawing/2014/main" id="{F448FC5D-F681-41DC-A238-A61020380697}"/>
+                <a16:creationId xmlns:a16="http://schemas.microsoft.com/office/drawing/2014/main" xmlns="" id="{F448FC5D-F681-41DC-A238-A61020380697}"/>
               </a:ext>
             </a:extLst>
           </p:cNvPr>
@@ -3988,7 +4695,7 @@
           <p:cNvPr id="4" name="图片 3">
             <a:extLst>
               <a:ext uri="{FF2B5EF4-FFF2-40B4-BE49-F238E27FC236}">
-                <a16:creationId xmlns:a16="http://schemas.microsoft.com/office/drawing/2014/main" id="{AEBC1344-E39A-4D43-B3C2-EE8AA820F4ED}"/>
+                <a16:creationId xmlns:a16="http://schemas.microsoft.com/office/drawing/2014/main" xmlns="" id="{AEBC1344-E39A-4D43-B3C2-EE8AA820F4ED}"/>
               </a:ext>
             </a:extLst>
           </p:cNvPr>
@@ -4023,10 +4730,17 @@
   <p:clrMapOvr>
     <a:masterClrMapping/>
   </p:clrMapOvr>
+  <p:timing>
+    <p:tnLst>
+      <p:par>
+        <p:cTn id="1" dur="indefinite" restart="never" nodeType="tmRoot"/>
+      </p:par>
+    </p:tnLst>
+  </p:timing>
 </p:sld>
 </file>
 
-<file path=ppt/slides/slide12.xml><?xml version="1.0" encoding="utf-8"?>
+<file path=ppt/slides/slide16.xml><?xml version="1.0" encoding="utf-8"?>
 <p:sld xmlns:a="http://schemas.openxmlformats.org/drawingml/2006/main" xmlns:r="http://schemas.openxmlformats.org/officeDocument/2006/relationships" xmlns:p="http://schemas.openxmlformats.org/presentationml/2006/main">
   <p:cSld>
     <p:spTree>
@@ -4048,7 +4762,7 @@
           <p:cNvPr id="2" name="标题 1">
             <a:extLst>
               <a:ext uri="{FF2B5EF4-FFF2-40B4-BE49-F238E27FC236}">
-                <a16:creationId xmlns:a16="http://schemas.microsoft.com/office/drawing/2014/main" id="{BA5A45A8-EFFE-4FC0-9172-6D8D64811CC1}"/>
+                <a16:creationId xmlns:a16="http://schemas.microsoft.com/office/drawing/2014/main" xmlns="" id="{BA5A45A8-EFFE-4FC0-9172-6D8D64811CC1}"/>
               </a:ext>
             </a:extLst>
           </p:cNvPr>
@@ -4085,7 +4799,7 @@
           <p:cNvPr id="3" name="内容占位符 2">
             <a:extLst>
               <a:ext uri="{FF2B5EF4-FFF2-40B4-BE49-F238E27FC236}">
-                <a16:creationId xmlns:a16="http://schemas.microsoft.com/office/drawing/2014/main" id="{02EE2C7C-2B72-4BAA-9C78-85DC9A2BD700}"/>
+                <a16:creationId xmlns:a16="http://schemas.microsoft.com/office/drawing/2014/main" xmlns="" id="{02EE2C7C-2B72-4BAA-9C78-85DC9A2BD700}"/>
               </a:ext>
             </a:extLst>
           </p:cNvPr>
@@ -4110,7 +4824,7 @@
           <p:cNvPr id="4" name="图片 3">
             <a:extLst>
               <a:ext uri="{FF2B5EF4-FFF2-40B4-BE49-F238E27FC236}">
-                <a16:creationId xmlns:a16="http://schemas.microsoft.com/office/drawing/2014/main" id="{22D971B7-C089-4874-A1DC-7239672D08B5}"/>
+                <a16:creationId xmlns:a16="http://schemas.microsoft.com/office/drawing/2014/main" xmlns="" id="{22D971B7-C089-4874-A1DC-7239672D08B5}"/>
               </a:ext>
             </a:extLst>
           </p:cNvPr>
@@ -4145,10 +4859,17 @@
   <p:clrMapOvr>
     <a:masterClrMapping/>
   </p:clrMapOvr>
+  <p:timing>
+    <p:tnLst>
+      <p:par>
+        <p:cTn id="1" dur="indefinite" restart="never" nodeType="tmRoot"/>
+      </p:par>
+    </p:tnLst>
+  </p:timing>
 </p:sld>
 </file>
 
-<file path=ppt/slides/slide13.xml><?xml version="1.0" encoding="utf-8"?>
+<file path=ppt/slides/slide17.xml><?xml version="1.0" encoding="utf-8"?>
 <p:sld xmlns:a="http://schemas.openxmlformats.org/drawingml/2006/main" xmlns:r="http://schemas.openxmlformats.org/officeDocument/2006/relationships" xmlns:p="http://schemas.openxmlformats.org/presentationml/2006/main">
   <p:cSld>
     <p:spTree>
@@ -4170,7 +4891,7 @@
           <p:cNvPr id="2" name="标题 1">
             <a:extLst>
               <a:ext uri="{FF2B5EF4-FFF2-40B4-BE49-F238E27FC236}">
-                <a16:creationId xmlns:a16="http://schemas.microsoft.com/office/drawing/2014/main" id="{DFC5DCCB-769C-4F29-B755-5B532BC2999C}"/>
+                <a16:creationId xmlns:a16="http://schemas.microsoft.com/office/drawing/2014/main" xmlns="" id="{DFC5DCCB-769C-4F29-B755-5B532BC2999C}"/>
               </a:ext>
             </a:extLst>
           </p:cNvPr>
@@ -4207,7 +4928,7 @@
           <p:cNvPr id="3" name="内容占位符 2">
             <a:extLst>
               <a:ext uri="{FF2B5EF4-FFF2-40B4-BE49-F238E27FC236}">
-                <a16:creationId xmlns:a16="http://schemas.microsoft.com/office/drawing/2014/main" id="{B69B6DF3-66A7-43BA-A00F-577879AB5545}"/>
+                <a16:creationId xmlns:a16="http://schemas.microsoft.com/office/drawing/2014/main" xmlns="" id="{B69B6DF3-66A7-43BA-A00F-577879AB5545}"/>
               </a:ext>
             </a:extLst>
           </p:cNvPr>
@@ -4232,7 +4953,7 @@
           <p:cNvPr id="4" name="图片 3">
             <a:extLst>
               <a:ext uri="{FF2B5EF4-FFF2-40B4-BE49-F238E27FC236}">
-                <a16:creationId xmlns:a16="http://schemas.microsoft.com/office/drawing/2014/main" id="{9705F2BD-E190-4C6A-855B-4340FAC4C41F}"/>
+                <a16:creationId xmlns:a16="http://schemas.microsoft.com/office/drawing/2014/main" xmlns="" id="{9705F2BD-E190-4C6A-855B-4340FAC4C41F}"/>
               </a:ext>
             </a:extLst>
           </p:cNvPr>
@@ -4267,10 +4988,17 @@
   <p:clrMapOvr>
     <a:masterClrMapping/>
   </p:clrMapOvr>
+  <p:timing>
+    <p:tnLst>
+      <p:par>
+        <p:cTn id="1" dur="indefinite" restart="never" nodeType="tmRoot"/>
+      </p:par>
+    </p:tnLst>
+  </p:timing>
 </p:sld>
 </file>
 
-<file path=ppt/slides/slide14.xml><?xml version="1.0" encoding="utf-8"?>
+<file path=ppt/slides/slide18.xml><?xml version="1.0" encoding="utf-8"?>
 <p:sld xmlns:a="http://schemas.openxmlformats.org/drawingml/2006/main" xmlns:r="http://schemas.openxmlformats.org/officeDocument/2006/relationships" xmlns:p="http://schemas.openxmlformats.org/presentationml/2006/main">
   <p:cSld>
     <p:spTree>
@@ -4292,7 +5020,7 @@
           <p:cNvPr id="2" name="标题 1">
             <a:extLst>
               <a:ext uri="{FF2B5EF4-FFF2-40B4-BE49-F238E27FC236}">
-                <a16:creationId xmlns:a16="http://schemas.microsoft.com/office/drawing/2014/main" id="{715A0B66-9F35-410A-A56D-2F177A3ED0AF}"/>
+                <a16:creationId xmlns:a16="http://schemas.microsoft.com/office/drawing/2014/main" xmlns="" id="{715A0B66-9F35-410A-A56D-2F177A3ED0AF}"/>
               </a:ext>
             </a:extLst>
           </p:cNvPr>
@@ -4329,7 +5057,7 @@
           <p:cNvPr id="3" name="内容占位符 2">
             <a:extLst>
               <a:ext uri="{FF2B5EF4-FFF2-40B4-BE49-F238E27FC236}">
-                <a16:creationId xmlns:a16="http://schemas.microsoft.com/office/drawing/2014/main" id="{1B553A62-E688-409D-A6EC-CE306331C390}"/>
+                <a16:creationId xmlns:a16="http://schemas.microsoft.com/office/drawing/2014/main" xmlns="" id="{1B553A62-E688-409D-A6EC-CE306331C390}"/>
               </a:ext>
             </a:extLst>
           </p:cNvPr>
@@ -4354,7 +5082,7 @@
           <p:cNvPr id="4" name="图片 3">
             <a:extLst>
               <a:ext uri="{FF2B5EF4-FFF2-40B4-BE49-F238E27FC236}">
-                <a16:creationId xmlns:a16="http://schemas.microsoft.com/office/drawing/2014/main" id="{875BF5C9-3065-443E-822F-F1CBF6AF10AC}"/>
+                <a16:creationId xmlns:a16="http://schemas.microsoft.com/office/drawing/2014/main" xmlns="" id="{875BF5C9-3065-443E-822F-F1CBF6AF10AC}"/>
               </a:ext>
             </a:extLst>
           </p:cNvPr>
@@ -4389,688 +5117,13 @@
   <p:clrMapOvr>
     <a:masterClrMapping/>
   </p:clrMapOvr>
-</p:sld>
-</file>
-
-<file path=ppt/slides/slide15.xml><?xml version="1.0" encoding="utf-8"?>
-<p:sld xmlns:a="http://schemas.openxmlformats.org/drawingml/2006/main" xmlns:r="http://schemas.openxmlformats.org/officeDocument/2006/relationships" xmlns:p="http://schemas.openxmlformats.org/presentationml/2006/main">
-  <p:cSld>
-    <p:spTree>
-      <p:nvGrpSpPr>
-        <p:cNvPr id="1" name=""/>
-        <p:cNvGrpSpPr/>
-        <p:nvPr/>
-      </p:nvGrpSpPr>
-      <p:grpSpPr>
-        <a:xfrm>
-          <a:off x="0" y="0"/>
-          <a:ext cx="0" cy="0"/>
-          <a:chOff x="0" y="0"/>
-          <a:chExt cx="0" cy="0"/>
-        </a:xfrm>
-      </p:grpSpPr>
-      <p:sp>
-        <p:nvSpPr>
-          <p:cNvPr id="2" name="标题 1">
-            <a:extLst>
-              <a:ext uri="{FF2B5EF4-FFF2-40B4-BE49-F238E27FC236}">
-                <a16:creationId xmlns:a16="http://schemas.microsoft.com/office/drawing/2014/main" id="{163472D9-2A0A-49C8-9FBF-C545F46717E0}"/>
-              </a:ext>
-            </a:extLst>
-          </p:cNvPr>
-          <p:cNvSpPr>
-            <a:spLocks noGrp="1"/>
-          </p:cNvSpPr>
-          <p:nvPr>
-            <p:ph type="title"/>
-          </p:nvPr>
-        </p:nvSpPr>
-        <p:spPr/>
-        <p:txBody>
-          <a:bodyPr/>
-          <a:lstStyle/>
-          <a:p>
-            <a:r>
-              <a:rPr lang="zh-CN" altLang="en-US" b="0" dirty="0"/>
-              <a:t>循环</a:t>
-            </a:r>
-            <a:r>
-              <a:rPr lang="en-US" altLang="zh-CN" b="0" dirty="0"/>
-              <a:t>(looping)</a:t>
-            </a:r>
-            <a:r>
-              <a:rPr lang="zh-CN" altLang="en-US" b="0" dirty="0"/>
-              <a:t>语句</a:t>
-            </a:r>
-            <a:endParaRPr lang="zh-CN" altLang="en-US" dirty="0"/>
-          </a:p>
-        </p:txBody>
-      </p:sp>
-      <p:sp>
-        <p:nvSpPr>
-          <p:cNvPr id="3" name="内容占位符 2">
-            <a:extLst>
-              <a:ext uri="{FF2B5EF4-FFF2-40B4-BE49-F238E27FC236}">
-                <a16:creationId xmlns:a16="http://schemas.microsoft.com/office/drawing/2014/main" id="{C15BE1C5-D37B-4350-AB6F-28F6184B04E2}"/>
-              </a:ext>
-            </a:extLst>
-          </p:cNvPr>
-          <p:cNvSpPr>
-            <a:spLocks noGrp="1"/>
-          </p:cNvSpPr>
-          <p:nvPr>
-            <p:ph idx="1"/>
-          </p:nvPr>
-        </p:nvSpPr>
-        <p:spPr/>
-        <p:txBody>
-          <a:bodyPr/>
-          <a:lstStyle/>
-          <a:p>
-            <a:pPr marL="0" indent="0">
-              <a:buNone/>
-            </a:pPr>
-            <a:r>
-              <a:rPr lang="zh-CN" altLang="en-US" dirty="0"/>
-              <a:t>有四种循环语句：</a:t>
-            </a:r>
-            <a:endParaRPr lang="en-US" altLang="zh-CN" dirty="0"/>
-          </a:p>
-          <a:p>
-            <a:pPr marL="0" indent="0">
-              <a:buNone/>
-            </a:pPr>
-            <a:r>
-              <a:rPr lang="en-US" altLang="zh-CN" dirty="0"/>
-              <a:t>repeat</a:t>
-            </a:r>
-            <a:r>
-              <a:rPr lang="zh-CN" altLang="en-US" dirty="0"/>
-              <a:t>：将一块语句循环执行确定次数。</a:t>
-            </a:r>
-            <a:r>
-              <a:rPr lang="en-US" altLang="zh-CN" dirty="0">
-                <a:solidFill>
-                  <a:srgbClr val="7030A0"/>
-                </a:solidFill>
-              </a:rPr>
-              <a:t>repeat (</a:t>
-            </a:r>
-            <a:r>
-              <a:rPr lang="zh-CN" altLang="en-US" dirty="0">
-                <a:solidFill>
-                  <a:srgbClr val="7030A0"/>
-                </a:solidFill>
-              </a:rPr>
-              <a:t>次数表达式）</a:t>
-            </a:r>
-            <a:r>
-              <a:rPr lang="en-US" altLang="zh-CN" dirty="0">
-                <a:solidFill>
-                  <a:srgbClr val="7030A0"/>
-                </a:solidFill>
-              </a:rPr>
-              <a:t>&lt;</a:t>
-            </a:r>
-            <a:r>
-              <a:rPr lang="zh-CN" altLang="en-US" dirty="0">
-                <a:solidFill>
-                  <a:srgbClr val="7030A0"/>
-                </a:solidFill>
-              </a:rPr>
-              <a:t>语句</a:t>
-            </a:r>
-            <a:r>
-              <a:rPr lang="en-US" altLang="zh-CN" dirty="0">
-                <a:solidFill>
-                  <a:srgbClr val="7030A0"/>
-                </a:solidFill>
-              </a:rPr>
-              <a:t>&gt;</a:t>
-            </a:r>
-          </a:p>
-          <a:p>
-            <a:pPr marL="0" indent="0">
-              <a:buNone/>
-            </a:pPr>
-            <a:r>
-              <a:rPr lang="en-US" altLang="zh-CN" dirty="0"/>
-              <a:t>while</a:t>
-            </a:r>
-            <a:r>
-              <a:rPr lang="zh-CN" altLang="en-US" dirty="0"/>
-              <a:t>：在条件表达式为真时一直循环执行</a:t>
-            </a:r>
-            <a:r>
-              <a:rPr lang="en-US" altLang="zh-CN" dirty="0">
-                <a:solidFill>
-                  <a:srgbClr val="7030A0"/>
-                </a:solidFill>
-              </a:rPr>
-              <a:t>while (</a:t>
-            </a:r>
-            <a:r>
-              <a:rPr lang="zh-CN" altLang="en-US" dirty="0">
-                <a:solidFill>
-                  <a:srgbClr val="7030A0"/>
-                </a:solidFill>
-              </a:rPr>
-              <a:t>条件表达式）</a:t>
-            </a:r>
-            <a:r>
-              <a:rPr lang="en-US" altLang="zh-CN" dirty="0">
-                <a:solidFill>
-                  <a:srgbClr val="7030A0"/>
-                </a:solidFill>
-              </a:rPr>
-              <a:t>&lt;</a:t>
-            </a:r>
-            <a:r>
-              <a:rPr lang="zh-CN" altLang="en-US" dirty="0">
-                <a:solidFill>
-                  <a:srgbClr val="7030A0"/>
-                </a:solidFill>
-              </a:rPr>
-              <a:t>语句</a:t>
-            </a:r>
-            <a:r>
-              <a:rPr lang="en-US" altLang="zh-CN" dirty="0">
-                <a:solidFill>
-                  <a:srgbClr val="7030A0"/>
-                </a:solidFill>
-              </a:rPr>
-              <a:t>&gt;</a:t>
-            </a:r>
-          </a:p>
-          <a:p>
-            <a:pPr marL="0" indent="0">
-              <a:buNone/>
-            </a:pPr>
-            <a:r>
-              <a:rPr lang="en-US" altLang="zh-CN" dirty="0"/>
-              <a:t>forever</a:t>
-            </a:r>
-            <a:r>
-              <a:rPr lang="zh-CN" altLang="en-US" dirty="0"/>
-              <a:t>：重复执行直到仿真结束</a:t>
-            </a:r>
-            <a:endParaRPr lang="en-US" altLang="zh-CN" dirty="0"/>
-          </a:p>
-          <a:p>
-            <a:pPr marL="0" indent="0">
-              <a:buNone/>
-            </a:pPr>
-            <a:r>
-              <a:rPr lang="en-US" altLang="zh-CN" dirty="0">
-                <a:solidFill>
-                  <a:srgbClr val="7030A0"/>
-                </a:solidFill>
-              </a:rPr>
-              <a:t>forever &lt;</a:t>
-            </a:r>
-            <a:r>
-              <a:rPr lang="zh-CN" altLang="en-US" dirty="0">
-                <a:solidFill>
-                  <a:srgbClr val="7030A0"/>
-                </a:solidFill>
-              </a:rPr>
-              <a:t>语句</a:t>
-            </a:r>
-            <a:r>
-              <a:rPr lang="en-US" altLang="zh-CN" dirty="0">
-                <a:solidFill>
-                  <a:srgbClr val="7030A0"/>
-                </a:solidFill>
-              </a:rPr>
-              <a:t>&gt;</a:t>
-            </a:r>
-          </a:p>
-          <a:p>
-            <a:pPr marL="0" indent="0">
-              <a:buNone/>
-            </a:pPr>
-            <a:r>
-              <a:rPr lang="en-US" altLang="zh-CN" dirty="0"/>
-              <a:t>for</a:t>
-            </a:r>
-            <a:r>
-              <a:rPr lang="zh-CN" altLang="en-US" dirty="0"/>
-              <a:t>：在执行过程中对变量进行计算和判断，在条件满足时执行</a:t>
-            </a:r>
-            <a:endParaRPr lang="en-US" altLang="zh-CN" dirty="0"/>
-          </a:p>
-          <a:p>
-            <a:pPr marL="0" indent="0">
-              <a:buNone/>
-            </a:pPr>
-            <a:r>
-              <a:rPr lang="en-US" altLang="zh-CN" dirty="0">
-                <a:solidFill>
-                  <a:srgbClr val="7030A0"/>
-                </a:solidFill>
-              </a:rPr>
-              <a:t>for(</a:t>
-            </a:r>
-            <a:r>
-              <a:rPr lang="zh-CN" altLang="en-US" dirty="0">
-                <a:solidFill>
-                  <a:srgbClr val="7030A0"/>
-                </a:solidFill>
-              </a:rPr>
-              <a:t>赋初值；条件表达式；计算）</a:t>
-            </a:r>
-            <a:r>
-              <a:rPr lang="en-US" altLang="zh-CN" dirty="0">
-                <a:solidFill>
-                  <a:srgbClr val="7030A0"/>
-                </a:solidFill>
-              </a:rPr>
-              <a:t>&lt;</a:t>
-            </a:r>
-            <a:r>
-              <a:rPr lang="zh-CN" altLang="en-US" dirty="0">
-                <a:solidFill>
-                  <a:srgbClr val="7030A0"/>
-                </a:solidFill>
-              </a:rPr>
-              <a:t>语句</a:t>
-            </a:r>
-            <a:r>
-              <a:rPr lang="en-US" altLang="zh-CN" dirty="0">
-                <a:solidFill>
-                  <a:srgbClr val="7030A0"/>
-                </a:solidFill>
-              </a:rPr>
-              <a:t>&gt;</a:t>
-            </a:r>
-            <a:endParaRPr lang="zh-CN" altLang="en-US" dirty="0">
-              <a:solidFill>
-                <a:srgbClr val="7030A0"/>
-              </a:solidFill>
-            </a:endParaRPr>
-          </a:p>
-        </p:txBody>
-      </p:sp>
-    </p:spTree>
-    <p:extLst>
-      <p:ext uri="{BB962C8B-B14F-4D97-AF65-F5344CB8AC3E}">
-        <p14:creationId xmlns:p14="http://schemas.microsoft.com/office/powerpoint/2010/main" val="420169714"/>
-      </p:ext>
-    </p:extLst>
-  </p:cSld>
-  <p:clrMapOvr>
-    <a:masterClrMapping/>
-  </p:clrMapOvr>
-</p:sld>
-</file>
-
-<file path=ppt/slides/slide16.xml><?xml version="1.0" encoding="utf-8"?>
-<p:sld xmlns:a="http://schemas.openxmlformats.org/drawingml/2006/main" xmlns:r="http://schemas.openxmlformats.org/officeDocument/2006/relationships" xmlns:p="http://schemas.openxmlformats.org/presentationml/2006/main">
-  <p:cSld>
-    <p:spTree>
-      <p:nvGrpSpPr>
-        <p:cNvPr id="1" name=""/>
-        <p:cNvGrpSpPr/>
-        <p:nvPr/>
-      </p:nvGrpSpPr>
-      <p:grpSpPr>
-        <a:xfrm>
-          <a:off x="0" y="0"/>
-          <a:ext cx="0" cy="0"/>
-          <a:chOff x="0" y="0"/>
-          <a:chExt cx="0" cy="0"/>
-        </a:xfrm>
-      </p:grpSpPr>
-      <p:sp>
-        <p:nvSpPr>
-          <p:cNvPr id="2" name="标题 1">
-            <a:extLst>
-              <a:ext uri="{FF2B5EF4-FFF2-40B4-BE49-F238E27FC236}">
-                <a16:creationId xmlns:a16="http://schemas.microsoft.com/office/drawing/2014/main" id="{13E3171E-0331-4812-AB40-599AC2B86B15}"/>
-              </a:ext>
-            </a:extLst>
-          </p:cNvPr>
-          <p:cNvSpPr>
-            <a:spLocks noGrp="1"/>
-          </p:cNvSpPr>
-          <p:nvPr>
-            <p:ph type="title"/>
-          </p:nvPr>
-        </p:nvSpPr>
-        <p:spPr/>
-        <p:txBody>
-          <a:bodyPr/>
-          <a:lstStyle/>
-          <a:p>
-            <a:r>
-              <a:rPr lang="zh-CN" altLang="en-US" b="0" dirty="0"/>
-              <a:t>循环</a:t>
-            </a:r>
-            <a:r>
-              <a:rPr lang="en-US" altLang="zh-CN" b="0" dirty="0"/>
-              <a:t>(looping)</a:t>
-            </a:r>
-            <a:r>
-              <a:rPr lang="zh-CN" altLang="en-US" b="0" dirty="0"/>
-              <a:t>语句</a:t>
-            </a:r>
-            <a:r>
-              <a:rPr lang="en-US" altLang="zh-CN" b="0" dirty="0"/>
-              <a:t>-repeat</a:t>
-            </a:r>
-            <a:endParaRPr lang="zh-CN" altLang="en-US" dirty="0"/>
-          </a:p>
-        </p:txBody>
-      </p:sp>
-      <p:sp>
-        <p:nvSpPr>
-          <p:cNvPr id="3" name="内容占位符 2">
-            <a:extLst>
-              <a:ext uri="{FF2B5EF4-FFF2-40B4-BE49-F238E27FC236}">
-                <a16:creationId xmlns:a16="http://schemas.microsoft.com/office/drawing/2014/main" id="{F90A4F95-2302-4AD4-B840-17C54A4111A2}"/>
-              </a:ext>
-            </a:extLst>
-          </p:cNvPr>
-          <p:cNvSpPr>
-            <a:spLocks noGrp="1"/>
-          </p:cNvSpPr>
-          <p:nvPr>
-            <p:ph idx="1"/>
-          </p:nvPr>
-        </p:nvSpPr>
-        <p:spPr/>
-        <p:txBody>
-          <a:bodyPr/>
-          <a:lstStyle/>
-          <a:p>
-            <a:endParaRPr lang="zh-CN" altLang="en-US"/>
-          </a:p>
-        </p:txBody>
-      </p:sp>
-      <p:pic>
-        <p:nvPicPr>
-          <p:cNvPr id="4" name="图片 3">
-            <a:extLst>
-              <a:ext uri="{FF2B5EF4-FFF2-40B4-BE49-F238E27FC236}">
-                <a16:creationId xmlns:a16="http://schemas.microsoft.com/office/drawing/2014/main" id="{C9BE3410-ECE4-431E-A3A8-D8D04C4001CD}"/>
-              </a:ext>
-            </a:extLst>
-          </p:cNvPr>
-          <p:cNvPicPr>
-            <a:picLocks noChangeAspect="1"/>
-          </p:cNvPicPr>
-          <p:nvPr/>
-        </p:nvPicPr>
-        <p:blipFill>
-          <a:blip r:embed="rId2"/>
-          <a:stretch>
-            <a:fillRect/>
-          </a:stretch>
-        </p:blipFill>
-        <p:spPr>
-          <a:xfrm>
-            <a:off x="673336" y="765110"/>
-            <a:ext cx="7797327" cy="6092890"/>
-          </a:xfrm>
-          <a:prstGeom prst="rect">
-            <a:avLst/>
-          </a:prstGeom>
-        </p:spPr>
-      </p:pic>
-    </p:spTree>
-    <p:extLst>
-      <p:ext uri="{BB962C8B-B14F-4D97-AF65-F5344CB8AC3E}">
-        <p14:creationId xmlns:p14="http://schemas.microsoft.com/office/powerpoint/2010/main" val="2156526731"/>
-      </p:ext>
-    </p:extLst>
-  </p:cSld>
-  <p:clrMapOvr>
-    <a:masterClrMapping/>
-  </p:clrMapOvr>
-</p:sld>
-</file>
-
-<file path=ppt/slides/slide17.xml><?xml version="1.0" encoding="utf-8"?>
-<p:sld xmlns:a="http://schemas.openxmlformats.org/drawingml/2006/main" xmlns:r="http://schemas.openxmlformats.org/officeDocument/2006/relationships" xmlns:p="http://schemas.openxmlformats.org/presentationml/2006/main">
-  <p:cSld>
-    <p:spTree>
-      <p:nvGrpSpPr>
-        <p:cNvPr id="1" name=""/>
-        <p:cNvGrpSpPr/>
-        <p:nvPr/>
-      </p:nvGrpSpPr>
-      <p:grpSpPr>
-        <a:xfrm>
-          <a:off x="0" y="0"/>
-          <a:ext cx="0" cy="0"/>
-          <a:chOff x="0" y="0"/>
-          <a:chExt cx="0" cy="0"/>
-        </a:xfrm>
-      </p:grpSpPr>
-      <p:sp>
-        <p:nvSpPr>
-          <p:cNvPr id="2" name="标题 1">
-            <a:extLst>
-              <a:ext uri="{FF2B5EF4-FFF2-40B4-BE49-F238E27FC236}">
-                <a16:creationId xmlns:a16="http://schemas.microsoft.com/office/drawing/2014/main" id="{E828CF4C-9AEC-4244-8CEE-280F261547F8}"/>
-              </a:ext>
-            </a:extLst>
-          </p:cNvPr>
-          <p:cNvSpPr>
-            <a:spLocks noGrp="1"/>
-          </p:cNvSpPr>
-          <p:nvPr>
-            <p:ph type="title"/>
-          </p:nvPr>
-        </p:nvSpPr>
-        <p:spPr/>
-        <p:txBody>
-          <a:bodyPr/>
-          <a:lstStyle/>
-          <a:p>
-            <a:r>
-              <a:rPr lang="zh-CN" altLang="en-US" b="0" dirty="0"/>
-              <a:t>循环</a:t>
-            </a:r>
-            <a:r>
-              <a:rPr lang="en-US" altLang="zh-CN" b="0" dirty="0"/>
-              <a:t>(looping)</a:t>
-            </a:r>
-            <a:r>
-              <a:rPr lang="zh-CN" altLang="en-US" b="0" dirty="0"/>
-              <a:t>语句</a:t>
-            </a:r>
-            <a:endParaRPr lang="zh-CN" altLang="en-US" dirty="0"/>
-          </a:p>
-        </p:txBody>
-      </p:sp>
-      <p:sp>
-        <p:nvSpPr>
-          <p:cNvPr id="3" name="内容占位符 2">
-            <a:extLst>
-              <a:ext uri="{FF2B5EF4-FFF2-40B4-BE49-F238E27FC236}">
-                <a16:creationId xmlns:a16="http://schemas.microsoft.com/office/drawing/2014/main" id="{E421F85F-4BBE-48A5-AAF3-2D6893E65D00}"/>
-              </a:ext>
-            </a:extLst>
-          </p:cNvPr>
-          <p:cNvSpPr>
-            <a:spLocks noGrp="1"/>
-          </p:cNvSpPr>
-          <p:nvPr>
-            <p:ph idx="1"/>
-          </p:nvPr>
-        </p:nvSpPr>
-        <p:spPr/>
-        <p:txBody>
-          <a:bodyPr/>
-          <a:lstStyle/>
-          <a:p>
-            <a:endParaRPr lang="zh-CN" altLang="en-US"/>
-          </a:p>
-        </p:txBody>
-      </p:sp>
-      <p:pic>
-        <p:nvPicPr>
-          <p:cNvPr id="4" name="图片 3">
-            <a:extLst>
-              <a:ext uri="{FF2B5EF4-FFF2-40B4-BE49-F238E27FC236}">
-                <a16:creationId xmlns:a16="http://schemas.microsoft.com/office/drawing/2014/main" id="{834F7C7B-C042-41A3-B772-0C7928EDE1DB}"/>
-              </a:ext>
-            </a:extLst>
-          </p:cNvPr>
-          <p:cNvPicPr>
-            <a:picLocks noChangeAspect="1"/>
-          </p:cNvPicPr>
-          <p:nvPr/>
-        </p:nvPicPr>
-        <p:blipFill>
-          <a:blip r:embed="rId2"/>
-          <a:stretch>
-            <a:fillRect/>
-          </a:stretch>
-        </p:blipFill>
-        <p:spPr>
-          <a:xfrm>
-            <a:off x="0" y="1001888"/>
-            <a:ext cx="9144000" cy="4854223"/>
-          </a:xfrm>
-          <a:prstGeom prst="rect">
-            <a:avLst/>
-          </a:prstGeom>
-        </p:spPr>
-      </p:pic>
-    </p:spTree>
-    <p:extLst>
-      <p:ext uri="{BB962C8B-B14F-4D97-AF65-F5344CB8AC3E}">
-        <p14:creationId xmlns:p14="http://schemas.microsoft.com/office/powerpoint/2010/main" val="619509308"/>
-      </p:ext>
-    </p:extLst>
-  </p:cSld>
-  <p:clrMapOvr>
-    <a:masterClrMapping/>
-  </p:clrMapOvr>
-</p:sld>
-</file>
-
-<file path=ppt/slides/slide18.xml><?xml version="1.0" encoding="utf-8"?>
-<p:sld xmlns:a="http://schemas.openxmlformats.org/drawingml/2006/main" xmlns:r="http://schemas.openxmlformats.org/officeDocument/2006/relationships" xmlns:p="http://schemas.openxmlformats.org/presentationml/2006/main">
-  <p:cSld>
-    <p:spTree>
-      <p:nvGrpSpPr>
-        <p:cNvPr id="1" name=""/>
-        <p:cNvGrpSpPr/>
-        <p:nvPr/>
-      </p:nvGrpSpPr>
-      <p:grpSpPr>
-        <a:xfrm>
-          <a:off x="0" y="0"/>
-          <a:ext cx="0" cy="0"/>
-          <a:chOff x="0" y="0"/>
-          <a:chExt cx="0" cy="0"/>
-        </a:xfrm>
-      </p:grpSpPr>
-      <p:sp>
-        <p:nvSpPr>
-          <p:cNvPr id="2" name="标题 1">
-            <a:extLst>
-              <a:ext uri="{FF2B5EF4-FFF2-40B4-BE49-F238E27FC236}">
-                <a16:creationId xmlns:a16="http://schemas.microsoft.com/office/drawing/2014/main" id="{DB7DFD25-F28C-4655-8AAA-DA86E3ED02F7}"/>
-              </a:ext>
-            </a:extLst>
-          </p:cNvPr>
-          <p:cNvSpPr>
-            <a:spLocks noGrp="1"/>
-          </p:cNvSpPr>
-          <p:nvPr>
-            <p:ph type="title"/>
-          </p:nvPr>
-        </p:nvSpPr>
-        <p:spPr/>
-        <p:txBody>
-          <a:bodyPr/>
-          <a:lstStyle/>
-          <a:p>
-            <a:r>
-              <a:rPr lang="zh-CN" altLang="en-US" b="0" dirty="0"/>
-              <a:t>循环</a:t>
-            </a:r>
-            <a:r>
-              <a:rPr lang="en-US" altLang="zh-CN" b="0" dirty="0"/>
-              <a:t>(looping)</a:t>
-            </a:r>
-            <a:r>
-              <a:rPr lang="zh-CN" altLang="en-US" b="0" dirty="0"/>
-              <a:t>语句</a:t>
-            </a:r>
-            <a:endParaRPr lang="zh-CN" altLang="en-US" dirty="0"/>
-          </a:p>
-        </p:txBody>
-      </p:sp>
-      <p:sp>
-        <p:nvSpPr>
-          <p:cNvPr id="3" name="内容占位符 2">
-            <a:extLst>
-              <a:ext uri="{FF2B5EF4-FFF2-40B4-BE49-F238E27FC236}">
-                <a16:creationId xmlns:a16="http://schemas.microsoft.com/office/drawing/2014/main" id="{1E8B0323-1C7F-4072-AB0E-9E81DA86BEB3}"/>
-              </a:ext>
-            </a:extLst>
-          </p:cNvPr>
-          <p:cNvSpPr>
-            <a:spLocks noGrp="1"/>
-          </p:cNvSpPr>
-          <p:nvPr>
-            <p:ph idx="1"/>
-          </p:nvPr>
-        </p:nvSpPr>
-        <p:spPr/>
-        <p:txBody>
-          <a:bodyPr/>
-          <a:lstStyle/>
-          <a:p>
-            <a:endParaRPr lang="zh-CN" altLang="en-US"/>
-          </a:p>
-        </p:txBody>
-      </p:sp>
-      <p:pic>
-        <p:nvPicPr>
-          <p:cNvPr id="4" name="图片 3">
-            <a:extLst>
-              <a:ext uri="{FF2B5EF4-FFF2-40B4-BE49-F238E27FC236}">
-                <a16:creationId xmlns:a16="http://schemas.microsoft.com/office/drawing/2014/main" id="{BF0280F6-FDFB-48CA-9117-9BC6C9CA51BD}"/>
-              </a:ext>
-            </a:extLst>
-          </p:cNvPr>
-          <p:cNvPicPr>
-            <a:picLocks noChangeAspect="1"/>
-          </p:cNvPicPr>
-          <p:nvPr/>
-        </p:nvPicPr>
-        <p:blipFill>
-          <a:blip r:embed="rId2"/>
-          <a:stretch>
-            <a:fillRect/>
-          </a:stretch>
-        </p:blipFill>
-        <p:spPr>
-          <a:xfrm>
-            <a:off x="0" y="1086845"/>
-            <a:ext cx="9144000" cy="5374783"/>
-          </a:xfrm>
-          <a:prstGeom prst="rect">
-            <a:avLst/>
-          </a:prstGeom>
-        </p:spPr>
-      </p:pic>
-    </p:spTree>
-    <p:extLst>
-      <p:ext uri="{BB962C8B-B14F-4D97-AF65-F5344CB8AC3E}">
-        <p14:creationId xmlns:p14="http://schemas.microsoft.com/office/powerpoint/2010/main" val="3118271701"/>
-      </p:ext>
-    </p:extLst>
-  </p:cSld>
-  <p:clrMapOvr>
-    <a:masterClrMapping/>
-  </p:clrMapOvr>
+  <p:timing>
+    <p:tnLst>
+      <p:par>
+        <p:cTn id="1" dur="indefinite" restart="never" nodeType="tmRoot"/>
+      </p:par>
+    </p:tnLst>
+  </p:timing>
 </p:sld>
 </file>
 
@@ -5096,7 +5149,7 @@
           <p:cNvPr id="2" name="标题 1">
             <a:extLst>
               <a:ext uri="{FF2B5EF4-FFF2-40B4-BE49-F238E27FC236}">
-                <a16:creationId xmlns:a16="http://schemas.microsoft.com/office/drawing/2014/main" id="{503D2B6E-DEBE-4029-8F43-39F5DE36E122}"/>
+                <a16:creationId xmlns:a16="http://schemas.microsoft.com/office/drawing/2014/main" xmlns="" id="{163472D9-2A0A-49C8-9FBF-C545F46717E0}"/>
               </a:ext>
             </a:extLst>
           </p:cNvPr>
@@ -5133,7 +5186,7 @@
           <p:cNvPr id="3" name="内容占位符 2">
             <a:extLst>
               <a:ext uri="{FF2B5EF4-FFF2-40B4-BE49-F238E27FC236}">
-                <a16:creationId xmlns:a16="http://schemas.microsoft.com/office/drawing/2014/main" id="{DD47957E-11E8-46A1-ABC1-B8E70C54D4AD}"/>
+                <a16:creationId xmlns:a16="http://schemas.microsoft.com/office/drawing/2014/main" xmlns="" id="{C15BE1C5-D37B-4350-AB6F-28F6184B04E2}"/>
               </a:ext>
             </a:extLst>
           </p:cNvPr>
@@ -5149,50 +5202,247 @@
           <a:bodyPr/>
           <a:lstStyle/>
           <a:p>
-            <a:endParaRPr lang="zh-CN" altLang="en-US"/>
+            <a:pPr marL="0" indent="0">
+              <a:buNone/>
+            </a:pPr>
+            <a:r>
+              <a:rPr lang="zh-CN" altLang="en-US" dirty="0"/>
+              <a:t>有四种循环语句：</a:t>
+            </a:r>
+            <a:endParaRPr lang="en-US" altLang="zh-CN" dirty="0"/>
+          </a:p>
+          <a:p>
+            <a:pPr marL="0" indent="0">
+              <a:buNone/>
+            </a:pPr>
+            <a:r>
+              <a:rPr lang="en-US" altLang="zh-CN" dirty="0"/>
+              <a:t>repeat</a:t>
+            </a:r>
+            <a:r>
+              <a:rPr lang="zh-CN" altLang="en-US" dirty="0"/>
+              <a:t>：将一块语句循环执行确定次数。</a:t>
+            </a:r>
+            <a:r>
+              <a:rPr lang="en-US" altLang="zh-CN" dirty="0">
+                <a:solidFill>
+                  <a:srgbClr val="7030A0"/>
+                </a:solidFill>
+              </a:rPr>
+              <a:t>repeat (</a:t>
+            </a:r>
+            <a:r>
+              <a:rPr lang="zh-CN" altLang="en-US" dirty="0">
+                <a:solidFill>
+                  <a:srgbClr val="7030A0"/>
+                </a:solidFill>
+              </a:rPr>
+              <a:t>次数表达式）</a:t>
+            </a:r>
+            <a:r>
+              <a:rPr lang="en-US" altLang="zh-CN" dirty="0">
+                <a:solidFill>
+                  <a:srgbClr val="7030A0"/>
+                </a:solidFill>
+              </a:rPr>
+              <a:t>&lt;</a:t>
+            </a:r>
+            <a:r>
+              <a:rPr lang="zh-CN" altLang="en-US" dirty="0">
+                <a:solidFill>
+                  <a:srgbClr val="7030A0"/>
+                </a:solidFill>
+              </a:rPr>
+              <a:t>语句</a:t>
+            </a:r>
+            <a:r>
+              <a:rPr lang="en-US" altLang="zh-CN" dirty="0">
+                <a:solidFill>
+                  <a:srgbClr val="7030A0"/>
+                </a:solidFill>
+              </a:rPr>
+              <a:t>&gt;</a:t>
+            </a:r>
+          </a:p>
+          <a:p>
+            <a:pPr marL="0" indent="0">
+              <a:buNone/>
+            </a:pPr>
+            <a:r>
+              <a:rPr lang="en-US" altLang="zh-CN" dirty="0"/>
+              <a:t>while</a:t>
+            </a:r>
+            <a:r>
+              <a:rPr lang="zh-CN" altLang="en-US" dirty="0"/>
+              <a:t>：在条件表达式为真时一直循环执行</a:t>
+            </a:r>
+            <a:r>
+              <a:rPr lang="en-US" altLang="zh-CN" dirty="0">
+                <a:solidFill>
+                  <a:srgbClr val="7030A0"/>
+                </a:solidFill>
+              </a:rPr>
+              <a:t>while (</a:t>
+            </a:r>
+            <a:r>
+              <a:rPr lang="zh-CN" altLang="en-US" dirty="0">
+                <a:solidFill>
+                  <a:srgbClr val="7030A0"/>
+                </a:solidFill>
+              </a:rPr>
+              <a:t>条件表达式）</a:t>
+            </a:r>
+            <a:r>
+              <a:rPr lang="en-US" altLang="zh-CN" dirty="0">
+                <a:solidFill>
+                  <a:srgbClr val="7030A0"/>
+                </a:solidFill>
+              </a:rPr>
+              <a:t>&lt;</a:t>
+            </a:r>
+            <a:r>
+              <a:rPr lang="zh-CN" altLang="en-US" dirty="0">
+                <a:solidFill>
+                  <a:srgbClr val="7030A0"/>
+                </a:solidFill>
+              </a:rPr>
+              <a:t>语句</a:t>
+            </a:r>
+            <a:r>
+              <a:rPr lang="en-US" altLang="zh-CN" dirty="0">
+                <a:solidFill>
+                  <a:srgbClr val="7030A0"/>
+                </a:solidFill>
+              </a:rPr>
+              <a:t>&gt;</a:t>
+            </a:r>
+          </a:p>
+          <a:p>
+            <a:pPr marL="0" indent="0">
+              <a:buNone/>
+            </a:pPr>
+            <a:r>
+              <a:rPr lang="en-US" altLang="zh-CN" dirty="0"/>
+              <a:t>forever</a:t>
+            </a:r>
+            <a:r>
+              <a:rPr lang="zh-CN" altLang="en-US" dirty="0"/>
+              <a:t>：重复执行直到仿真结束</a:t>
+            </a:r>
+            <a:endParaRPr lang="en-US" altLang="zh-CN" dirty="0"/>
+          </a:p>
+          <a:p>
+            <a:pPr marL="0" indent="0">
+              <a:buNone/>
+            </a:pPr>
+            <a:r>
+              <a:rPr lang="en-US" altLang="zh-CN" dirty="0">
+                <a:solidFill>
+                  <a:srgbClr val="7030A0"/>
+                </a:solidFill>
+              </a:rPr>
+              <a:t>forever &lt;</a:t>
+            </a:r>
+            <a:r>
+              <a:rPr lang="zh-CN" altLang="en-US" dirty="0">
+                <a:solidFill>
+                  <a:srgbClr val="7030A0"/>
+                </a:solidFill>
+              </a:rPr>
+              <a:t>语句</a:t>
+            </a:r>
+            <a:r>
+              <a:rPr lang="en-US" altLang="zh-CN" dirty="0">
+                <a:solidFill>
+                  <a:srgbClr val="7030A0"/>
+                </a:solidFill>
+              </a:rPr>
+              <a:t>&gt;</a:t>
+            </a:r>
+          </a:p>
+          <a:p>
+            <a:pPr marL="0" indent="0">
+              <a:buNone/>
+            </a:pPr>
+            <a:r>
+              <a:rPr lang="en-US" altLang="zh-CN" dirty="0"/>
+              <a:t>for</a:t>
+            </a:r>
+            <a:r>
+              <a:rPr lang="zh-CN" altLang="en-US" dirty="0"/>
+              <a:t>：在执行过程中对变量进行计算和判断，在条件满足时执行</a:t>
+            </a:r>
+            <a:endParaRPr lang="en-US" altLang="zh-CN" dirty="0"/>
+          </a:p>
+          <a:p>
+            <a:pPr marL="0" indent="0">
+              <a:buNone/>
+            </a:pPr>
+            <a:r>
+              <a:rPr lang="en-US" altLang="zh-CN" dirty="0">
+                <a:solidFill>
+                  <a:srgbClr val="7030A0"/>
+                </a:solidFill>
+              </a:rPr>
+              <a:t>for(</a:t>
+            </a:r>
+            <a:r>
+              <a:rPr lang="zh-CN" altLang="en-US" dirty="0">
+                <a:solidFill>
+                  <a:srgbClr val="7030A0"/>
+                </a:solidFill>
+              </a:rPr>
+              <a:t>赋初值；条件表达式；计算）</a:t>
+            </a:r>
+            <a:r>
+              <a:rPr lang="en-US" altLang="zh-CN" dirty="0">
+                <a:solidFill>
+                  <a:srgbClr val="7030A0"/>
+                </a:solidFill>
+              </a:rPr>
+              <a:t>&lt;</a:t>
+            </a:r>
+            <a:r>
+              <a:rPr lang="zh-CN" altLang="en-US" dirty="0">
+                <a:solidFill>
+                  <a:srgbClr val="7030A0"/>
+                </a:solidFill>
+              </a:rPr>
+              <a:t>语句</a:t>
+            </a:r>
+            <a:r>
+              <a:rPr lang="en-US" altLang="zh-CN" dirty="0">
+                <a:solidFill>
+                  <a:srgbClr val="7030A0"/>
+                </a:solidFill>
+              </a:rPr>
+              <a:t>&gt;</a:t>
+            </a:r>
+            <a:endParaRPr lang="zh-CN" altLang="en-US" dirty="0">
+              <a:solidFill>
+                <a:srgbClr val="7030A0"/>
+              </a:solidFill>
+            </a:endParaRPr>
           </a:p>
         </p:txBody>
       </p:sp>
-      <p:pic>
-        <p:nvPicPr>
-          <p:cNvPr id="4" name="图片 3">
-            <a:extLst>
-              <a:ext uri="{FF2B5EF4-FFF2-40B4-BE49-F238E27FC236}">
-                <a16:creationId xmlns:a16="http://schemas.microsoft.com/office/drawing/2014/main" id="{B77D7952-A3F8-4F18-A6C2-D158CFFB746A}"/>
-              </a:ext>
-            </a:extLst>
-          </p:cNvPr>
-          <p:cNvPicPr>
-            <a:picLocks noChangeAspect="1"/>
-          </p:cNvPicPr>
-          <p:nvPr/>
-        </p:nvPicPr>
-        <p:blipFill>
-          <a:blip r:embed="rId2"/>
-          <a:stretch>
-            <a:fillRect/>
-          </a:stretch>
-        </p:blipFill>
-        <p:spPr>
-          <a:xfrm>
-            <a:off x="0" y="953849"/>
-            <a:ext cx="9144000" cy="5808724"/>
-          </a:xfrm>
-          <a:prstGeom prst="rect">
-            <a:avLst/>
-          </a:prstGeom>
-        </p:spPr>
-      </p:pic>
     </p:spTree>
     <p:extLst>
       <p:ext uri="{BB962C8B-B14F-4D97-AF65-F5344CB8AC3E}">
-        <p14:creationId xmlns:p14="http://schemas.microsoft.com/office/powerpoint/2010/main" val="3191741581"/>
+        <p14:creationId xmlns:p14="http://schemas.microsoft.com/office/powerpoint/2010/main" val="420169714"/>
       </p:ext>
     </p:extLst>
   </p:cSld>
   <p:clrMapOvr>
     <a:masterClrMapping/>
   </p:clrMapOvr>
+  <p:timing>
+    <p:tnLst>
+      <p:par>
+        <p:cTn id="1" dur="indefinite" restart="never" nodeType="tmRoot"/>
+      </p:par>
+    </p:tnLst>
+  </p:timing>
 </p:sld>
 </file>
 
@@ -7095,7 +7345,7 @@
           <p:cNvPr id="2" name="标题 1">
             <a:extLst>
               <a:ext uri="{FF2B5EF4-FFF2-40B4-BE49-F238E27FC236}">
-                <a16:creationId xmlns:a16="http://schemas.microsoft.com/office/drawing/2014/main" id="{5AFD199B-576F-4685-AD85-21EB04634DE3}"/>
+                <a16:creationId xmlns:a16="http://schemas.microsoft.com/office/drawing/2014/main" xmlns="" id="{13E3171E-0331-4812-AB40-599AC2B86B15}"/>
               </a:ext>
             </a:extLst>
           </p:cNvPr>
@@ -7111,7 +7361,23 @@
           <a:bodyPr/>
           <a:lstStyle/>
           <a:p>
-            <a:endParaRPr lang="zh-CN" altLang="en-US"/>
+            <a:r>
+              <a:rPr lang="zh-CN" altLang="en-US" b="0" dirty="0"/>
+              <a:t>循环</a:t>
+            </a:r>
+            <a:r>
+              <a:rPr lang="en-US" altLang="zh-CN" b="0" dirty="0"/>
+              <a:t>(looping)</a:t>
+            </a:r>
+            <a:r>
+              <a:rPr lang="zh-CN" altLang="en-US" b="0" dirty="0"/>
+              <a:t>语句</a:t>
+            </a:r>
+            <a:r>
+              <a:rPr lang="en-US" altLang="zh-CN" b="0" dirty="0"/>
+              <a:t>-repeat</a:t>
+            </a:r>
+            <a:endParaRPr lang="zh-CN" altLang="en-US" dirty="0"/>
           </a:p>
         </p:txBody>
       </p:sp>
@@ -7120,7 +7386,7 @@
           <p:cNvPr id="3" name="内容占位符 2">
             <a:extLst>
               <a:ext uri="{FF2B5EF4-FFF2-40B4-BE49-F238E27FC236}">
-                <a16:creationId xmlns:a16="http://schemas.microsoft.com/office/drawing/2014/main" id="{7A0E75F7-F05C-437A-B3EF-5110DEEB09E1}"/>
+                <a16:creationId xmlns:a16="http://schemas.microsoft.com/office/drawing/2014/main" xmlns="" id="{F90A4F95-2302-4AD4-B840-17C54A4111A2}"/>
               </a:ext>
             </a:extLst>
           </p:cNvPr>
@@ -7140,6 +7406,521 @@
           </a:p>
         </p:txBody>
       </p:sp>
+      <p:pic>
+        <p:nvPicPr>
+          <p:cNvPr id="4" name="图片 3">
+            <a:extLst>
+              <a:ext uri="{FF2B5EF4-FFF2-40B4-BE49-F238E27FC236}">
+                <a16:creationId xmlns:a16="http://schemas.microsoft.com/office/drawing/2014/main" xmlns="" id="{C9BE3410-ECE4-431E-A3A8-D8D04C4001CD}"/>
+              </a:ext>
+            </a:extLst>
+          </p:cNvPr>
+          <p:cNvPicPr>
+            <a:picLocks noChangeAspect="1"/>
+          </p:cNvPicPr>
+          <p:nvPr/>
+        </p:nvPicPr>
+        <p:blipFill>
+          <a:blip r:embed="rId2"/>
+          <a:stretch>
+            <a:fillRect/>
+          </a:stretch>
+        </p:blipFill>
+        <p:spPr>
+          <a:xfrm>
+            <a:off x="673336" y="765110"/>
+            <a:ext cx="7797327" cy="6092890"/>
+          </a:xfrm>
+          <a:prstGeom prst="rect">
+            <a:avLst/>
+          </a:prstGeom>
+        </p:spPr>
+      </p:pic>
+    </p:spTree>
+    <p:extLst>
+      <p:ext uri="{BB962C8B-B14F-4D97-AF65-F5344CB8AC3E}">
+        <p14:creationId xmlns:p14="http://schemas.microsoft.com/office/powerpoint/2010/main" val="2156526731"/>
+      </p:ext>
+    </p:extLst>
+  </p:cSld>
+  <p:clrMapOvr>
+    <a:masterClrMapping/>
+  </p:clrMapOvr>
+  <p:timing>
+    <p:tnLst>
+      <p:par>
+        <p:cTn id="1" dur="indefinite" restart="never" nodeType="tmRoot"/>
+      </p:par>
+    </p:tnLst>
+  </p:timing>
+</p:sld>
+</file>
+
+<file path=ppt/slides/slide21.xml><?xml version="1.0" encoding="utf-8"?>
+<p:sld xmlns:a="http://schemas.openxmlformats.org/drawingml/2006/main" xmlns:r="http://schemas.openxmlformats.org/officeDocument/2006/relationships" xmlns:p="http://schemas.openxmlformats.org/presentationml/2006/main">
+  <p:cSld>
+    <p:spTree>
+      <p:nvGrpSpPr>
+        <p:cNvPr id="1" name=""/>
+        <p:cNvGrpSpPr/>
+        <p:nvPr/>
+      </p:nvGrpSpPr>
+      <p:grpSpPr>
+        <a:xfrm>
+          <a:off x="0" y="0"/>
+          <a:ext cx="0" cy="0"/>
+          <a:chOff x="0" y="0"/>
+          <a:chExt cx="0" cy="0"/>
+        </a:xfrm>
+      </p:grpSpPr>
+      <p:sp>
+        <p:nvSpPr>
+          <p:cNvPr id="2" name="标题 1">
+            <a:extLst>
+              <a:ext uri="{FF2B5EF4-FFF2-40B4-BE49-F238E27FC236}">
+                <a16:creationId xmlns:a16="http://schemas.microsoft.com/office/drawing/2014/main" xmlns="" id="{E828CF4C-9AEC-4244-8CEE-280F261547F8}"/>
+              </a:ext>
+            </a:extLst>
+          </p:cNvPr>
+          <p:cNvSpPr>
+            <a:spLocks noGrp="1"/>
+          </p:cNvSpPr>
+          <p:nvPr>
+            <p:ph type="title"/>
+          </p:nvPr>
+        </p:nvSpPr>
+        <p:spPr/>
+        <p:txBody>
+          <a:bodyPr/>
+          <a:lstStyle/>
+          <a:p>
+            <a:r>
+              <a:rPr lang="zh-CN" altLang="en-US" b="0" dirty="0"/>
+              <a:t>循环</a:t>
+            </a:r>
+            <a:r>
+              <a:rPr lang="en-US" altLang="zh-CN" b="0" dirty="0"/>
+              <a:t>(looping)</a:t>
+            </a:r>
+            <a:r>
+              <a:rPr lang="zh-CN" altLang="en-US" b="0" dirty="0"/>
+              <a:t>语句</a:t>
+            </a:r>
+            <a:endParaRPr lang="zh-CN" altLang="en-US" dirty="0"/>
+          </a:p>
+        </p:txBody>
+      </p:sp>
+      <p:sp>
+        <p:nvSpPr>
+          <p:cNvPr id="3" name="内容占位符 2">
+            <a:extLst>
+              <a:ext uri="{FF2B5EF4-FFF2-40B4-BE49-F238E27FC236}">
+                <a16:creationId xmlns:a16="http://schemas.microsoft.com/office/drawing/2014/main" xmlns="" id="{E421F85F-4BBE-48A5-AAF3-2D6893E65D00}"/>
+              </a:ext>
+            </a:extLst>
+          </p:cNvPr>
+          <p:cNvSpPr>
+            <a:spLocks noGrp="1"/>
+          </p:cNvSpPr>
+          <p:nvPr>
+            <p:ph idx="1"/>
+          </p:nvPr>
+        </p:nvSpPr>
+        <p:spPr/>
+        <p:txBody>
+          <a:bodyPr/>
+          <a:lstStyle/>
+          <a:p>
+            <a:endParaRPr lang="zh-CN" altLang="en-US"/>
+          </a:p>
+        </p:txBody>
+      </p:sp>
+      <p:pic>
+        <p:nvPicPr>
+          <p:cNvPr id="4" name="图片 3">
+            <a:extLst>
+              <a:ext uri="{FF2B5EF4-FFF2-40B4-BE49-F238E27FC236}">
+                <a16:creationId xmlns:a16="http://schemas.microsoft.com/office/drawing/2014/main" xmlns="" id="{834F7C7B-C042-41A3-B772-0C7928EDE1DB}"/>
+              </a:ext>
+            </a:extLst>
+          </p:cNvPr>
+          <p:cNvPicPr>
+            <a:picLocks noChangeAspect="1"/>
+          </p:cNvPicPr>
+          <p:nvPr/>
+        </p:nvPicPr>
+        <p:blipFill>
+          <a:blip r:embed="rId2"/>
+          <a:stretch>
+            <a:fillRect/>
+          </a:stretch>
+        </p:blipFill>
+        <p:spPr>
+          <a:xfrm>
+            <a:off x="0" y="1001888"/>
+            <a:ext cx="9144000" cy="4854223"/>
+          </a:xfrm>
+          <a:prstGeom prst="rect">
+            <a:avLst/>
+          </a:prstGeom>
+        </p:spPr>
+      </p:pic>
+    </p:spTree>
+    <p:extLst>
+      <p:ext uri="{BB962C8B-B14F-4D97-AF65-F5344CB8AC3E}">
+        <p14:creationId xmlns:p14="http://schemas.microsoft.com/office/powerpoint/2010/main" val="619509308"/>
+      </p:ext>
+    </p:extLst>
+  </p:cSld>
+  <p:clrMapOvr>
+    <a:masterClrMapping/>
+  </p:clrMapOvr>
+  <p:timing>
+    <p:tnLst>
+      <p:par>
+        <p:cTn id="1" dur="indefinite" restart="never" nodeType="tmRoot"/>
+      </p:par>
+    </p:tnLst>
+  </p:timing>
+</p:sld>
+</file>
+
+<file path=ppt/slides/slide22.xml><?xml version="1.0" encoding="utf-8"?>
+<p:sld xmlns:a="http://schemas.openxmlformats.org/drawingml/2006/main" xmlns:r="http://schemas.openxmlformats.org/officeDocument/2006/relationships" xmlns:p="http://schemas.openxmlformats.org/presentationml/2006/main">
+  <p:cSld>
+    <p:spTree>
+      <p:nvGrpSpPr>
+        <p:cNvPr id="1" name=""/>
+        <p:cNvGrpSpPr/>
+        <p:nvPr/>
+      </p:nvGrpSpPr>
+      <p:grpSpPr>
+        <a:xfrm>
+          <a:off x="0" y="0"/>
+          <a:ext cx="0" cy="0"/>
+          <a:chOff x="0" y="0"/>
+          <a:chExt cx="0" cy="0"/>
+        </a:xfrm>
+      </p:grpSpPr>
+      <p:sp>
+        <p:nvSpPr>
+          <p:cNvPr id="2" name="标题 1">
+            <a:extLst>
+              <a:ext uri="{FF2B5EF4-FFF2-40B4-BE49-F238E27FC236}">
+                <a16:creationId xmlns:a16="http://schemas.microsoft.com/office/drawing/2014/main" xmlns="" id="{DB7DFD25-F28C-4655-8AAA-DA86E3ED02F7}"/>
+              </a:ext>
+            </a:extLst>
+          </p:cNvPr>
+          <p:cNvSpPr>
+            <a:spLocks noGrp="1"/>
+          </p:cNvSpPr>
+          <p:nvPr>
+            <p:ph type="title"/>
+          </p:nvPr>
+        </p:nvSpPr>
+        <p:spPr/>
+        <p:txBody>
+          <a:bodyPr/>
+          <a:lstStyle/>
+          <a:p>
+            <a:r>
+              <a:rPr lang="zh-CN" altLang="en-US" b="0" dirty="0"/>
+              <a:t>循环</a:t>
+            </a:r>
+            <a:r>
+              <a:rPr lang="en-US" altLang="zh-CN" b="0" dirty="0"/>
+              <a:t>(looping)</a:t>
+            </a:r>
+            <a:r>
+              <a:rPr lang="zh-CN" altLang="en-US" b="0" dirty="0"/>
+              <a:t>语句</a:t>
+            </a:r>
+            <a:endParaRPr lang="zh-CN" altLang="en-US" dirty="0"/>
+          </a:p>
+        </p:txBody>
+      </p:sp>
+      <p:sp>
+        <p:nvSpPr>
+          <p:cNvPr id="3" name="内容占位符 2">
+            <a:extLst>
+              <a:ext uri="{FF2B5EF4-FFF2-40B4-BE49-F238E27FC236}">
+                <a16:creationId xmlns:a16="http://schemas.microsoft.com/office/drawing/2014/main" xmlns="" id="{1E8B0323-1C7F-4072-AB0E-9E81DA86BEB3}"/>
+              </a:ext>
+            </a:extLst>
+          </p:cNvPr>
+          <p:cNvSpPr>
+            <a:spLocks noGrp="1"/>
+          </p:cNvSpPr>
+          <p:nvPr>
+            <p:ph idx="1"/>
+          </p:nvPr>
+        </p:nvSpPr>
+        <p:spPr/>
+        <p:txBody>
+          <a:bodyPr/>
+          <a:lstStyle/>
+          <a:p>
+            <a:endParaRPr lang="zh-CN" altLang="en-US"/>
+          </a:p>
+        </p:txBody>
+      </p:sp>
+      <p:pic>
+        <p:nvPicPr>
+          <p:cNvPr id="4" name="图片 3">
+            <a:extLst>
+              <a:ext uri="{FF2B5EF4-FFF2-40B4-BE49-F238E27FC236}">
+                <a16:creationId xmlns:a16="http://schemas.microsoft.com/office/drawing/2014/main" xmlns="" id="{BF0280F6-FDFB-48CA-9117-9BC6C9CA51BD}"/>
+              </a:ext>
+            </a:extLst>
+          </p:cNvPr>
+          <p:cNvPicPr>
+            <a:picLocks noChangeAspect="1"/>
+          </p:cNvPicPr>
+          <p:nvPr/>
+        </p:nvPicPr>
+        <p:blipFill>
+          <a:blip r:embed="rId2"/>
+          <a:stretch>
+            <a:fillRect/>
+          </a:stretch>
+        </p:blipFill>
+        <p:spPr>
+          <a:xfrm>
+            <a:off x="0" y="1086845"/>
+            <a:ext cx="9144000" cy="5374783"/>
+          </a:xfrm>
+          <a:prstGeom prst="rect">
+            <a:avLst/>
+          </a:prstGeom>
+        </p:spPr>
+      </p:pic>
+    </p:spTree>
+    <p:extLst>
+      <p:ext uri="{BB962C8B-B14F-4D97-AF65-F5344CB8AC3E}">
+        <p14:creationId xmlns:p14="http://schemas.microsoft.com/office/powerpoint/2010/main" val="3118271701"/>
+      </p:ext>
+    </p:extLst>
+  </p:cSld>
+  <p:clrMapOvr>
+    <a:masterClrMapping/>
+  </p:clrMapOvr>
+  <p:timing>
+    <p:tnLst>
+      <p:par>
+        <p:cTn id="1" dur="indefinite" restart="never" nodeType="tmRoot"/>
+      </p:par>
+    </p:tnLst>
+  </p:timing>
+</p:sld>
+</file>
+
+<file path=ppt/slides/slide23.xml><?xml version="1.0" encoding="utf-8"?>
+<p:sld xmlns:a="http://schemas.openxmlformats.org/drawingml/2006/main" xmlns:r="http://schemas.openxmlformats.org/officeDocument/2006/relationships" xmlns:p="http://schemas.openxmlformats.org/presentationml/2006/main">
+  <p:cSld>
+    <p:spTree>
+      <p:nvGrpSpPr>
+        <p:cNvPr id="1" name=""/>
+        <p:cNvGrpSpPr/>
+        <p:nvPr/>
+      </p:nvGrpSpPr>
+      <p:grpSpPr>
+        <a:xfrm>
+          <a:off x="0" y="0"/>
+          <a:ext cx="0" cy="0"/>
+          <a:chOff x="0" y="0"/>
+          <a:chExt cx="0" cy="0"/>
+        </a:xfrm>
+      </p:grpSpPr>
+      <p:sp>
+        <p:nvSpPr>
+          <p:cNvPr id="2" name="标题 1">
+            <a:extLst>
+              <a:ext uri="{FF2B5EF4-FFF2-40B4-BE49-F238E27FC236}">
+                <a16:creationId xmlns:a16="http://schemas.microsoft.com/office/drawing/2014/main" xmlns="" id="{503D2B6E-DEBE-4029-8F43-39F5DE36E122}"/>
+              </a:ext>
+            </a:extLst>
+          </p:cNvPr>
+          <p:cNvSpPr>
+            <a:spLocks noGrp="1"/>
+          </p:cNvSpPr>
+          <p:nvPr>
+            <p:ph type="title"/>
+          </p:nvPr>
+        </p:nvSpPr>
+        <p:spPr/>
+        <p:txBody>
+          <a:bodyPr/>
+          <a:lstStyle/>
+          <a:p>
+            <a:r>
+              <a:rPr lang="zh-CN" altLang="en-US" b="0" dirty="0"/>
+              <a:t>循环</a:t>
+            </a:r>
+            <a:r>
+              <a:rPr lang="en-US" altLang="zh-CN" b="0" dirty="0"/>
+              <a:t>(looping)</a:t>
+            </a:r>
+            <a:r>
+              <a:rPr lang="zh-CN" altLang="en-US" b="0" dirty="0"/>
+              <a:t>语句</a:t>
+            </a:r>
+            <a:endParaRPr lang="zh-CN" altLang="en-US" dirty="0"/>
+          </a:p>
+        </p:txBody>
+      </p:sp>
+      <p:sp>
+        <p:nvSpPr>
+          <p:cNvPr id="3" name="内容占位符 2">
+            <a:extLst>
+              <a:ext uri="{FF2B5EF4-FFF2-40B4-BE49-F238E27FC236}">
+                <a16:creationId xmlns:a16="http://schemas.microsoft.com/office/drawing/2014/main" xmlns="" id="{DD47957E-11E8-46A1-ABC1-B8E70C54D4AD}"/>
+              </a:ext>
+            </a:extLst>
+          </p:cNvPr>
+          <p:cNvSpPr>
+            <a:spLocks noGrp="1"/>
+          </p:cNvSpPr>
+          <p:nvPr>
+            <p:ph idx="1"/>
+          </p:nvPr>
+        </p:nvSpPr>
+        <p:spPr/>
+        <p:txBody>
+          <a:bodyPr/>
+          <a:lstStyle/>
+          <a:p>
+            <a:endParaRPr lang="zh-CN" altLang="en-US"/>
+          </a:p>
+        </p:txBody>
+      </p:sp>
+      <p:pic>
+        <p:nvPicPr>
+          <p:cNvPr id="4" name="图片 3">
+            <a:extLst>
+              <a:ext uri="{FF2B5EF4-FFF2-40B4-BE49-F238E27FC236}">
+                <a16:creationId xmlns:a16="http://schemas.microsoft.com/office/drawing/2014/main" xmlns="" id="{B77D7952-A3F8-4F18-A6C2-D158CFFB746A}"/>
+              </a:ext>
+            </a:extLst>
+          </p:cNvPr>
+          <p:cNvPicPr>
+            <a:picLocks noChangeAspect="1"/>
+          </p:cNvPicPr>
+          <p:nvPr/>
+        </p:nvPicPr>
+        <p:blipFill>
+          <a:blip r:embed="rId2"/>
+          <a:stretch>
+            <a:fillRect/>
+          </a:stretch>
+        </p:blipFill>
+        <p:spPr>
+          <a:xfrm>
+            <a:off x="0" y="953849"/>
+            <a:ext cx="9144000" cy="5808724"/>
+          </a:xfrm>
+          <a:prstGeom prst="rect">
+            <a:avLst/>
+          </a:prstGeom>
+        </p:spPr>
+      </p:pic>
+    </p:spTree>
+    <p:extLst>
+      <p:ext uri="{BB962C8B-B14F-4D97-AF65-F5344CB8AC3E}">
+        <p14:creationId xmlns:p14="http://schemas.microsoft.com/office/powerpoint/2010/main" val="3191741581"/>
+      </p:ext>
+    </p:extLst>
+  </p:cSld>
+  <p:clrMapOvr>
+    <a:masterClrMapping/>
+  </p:clrMapOvr>
+  <p:timing>
+    <p:tnLst>
+      <p:par>
+        <p:cTn id="1" dur="indefinite" restart="never" nodeType="tmRoot"/>
+      </p:par>
+    </p:tnLst>
+  </p:timing>
+</p:sld>
+</file>
+
+<file path=ppt/slides/slide24.xml><?xml version="1.0" encoding="utf-8"?>
+<p:sld xmlns:a="http://schemas.openxmlformats.org/drawingml/2006/main" xmlns:r="http://schemas.openxmlformats.org/officeDocument/2006/relationships" xmlns:p="http://schemas.openxmlformats.org/presentationml/2006/main">
+  <p:cSld>
+    <p:spTree>
+      <p:nvGrpSpPr>
+        <p:cNvPr id="1" name=""/>
+        <p:cNvGrpSpPr/>
+        <p:nvPr/>
+      </p:nvGrpSpPr>
+      <p:grpSpPr>
+        <a:xfrm>
+          <a:off x="0" y="0"/>
+          <a:ext cx="0" cy="0"/>
+          <a:chOff x="0" y="0"/>
+          <a:chExt cx="0" cy="0"/>
+        </a:xfrm>
+      </p:grpSpPr>
+      <p:sp>
+        <p:nvSpPr>
+          <p:cNvPr id="2" name="标题 1">
+            <a:extLst>
+              <a:ext uri="{FF2B5EF4-FFF2-40B4-BE49-F238E27FC236}">
+                <a16:creationId xmlns:a16="http://schemas.microsoft.com/office/drawing/2014/main" xmlns="" id="{5AFD199B-576F-4685-AD85-21EB04634DE3}"/>
+              </a:ext>
+            </a:extLst>
+          </p:cNvPr>
+          <p:cNvSpPr>
+            <a:spLocks noGrp="1"/>
+          </p:cNvSpPr>
+          <p:nvPr>
+            <p:ph type="title"/>
+          </p:nvPr>
+        </p:nvSpPr>
+        <p:spPr/>
+        <p:txBody>
+          <a:bodyPr/>
+          <a:lstStyle/>
+          <a:p>
+            <a:endParaRPr lang="zh-CN" altLang="en-US"/>
+          </a:p>
+        </p:txBody>
+      </p:sp>
+      <p:pic>
+        <p:nvPicPr>
+          <p:cNvPr id="5" name="图片 4">
+            <a:extLst>
+              <a:ext uri="{FF2B5EF4-FFF2-40B4-BE49-F238E27FC236}">
+                <a16:creationId xmlns:a16="http://schemas.microsoft.com/office/drawing/2014/main" xmlns="" id="{5D370D9C-E518-48EA-8DBC-B4BA3AD449DB}"/>
+              </a:ext>
+            </a:extLst>
+          </p:cNvPr>
+          <p:cNvPicPr>
+            <a:picLocks noChangeAspect="1"/>
+          </p:cNvPicPr>
+          <p:nvPr/>
+        </p:nvPicPr>
+        <p:blipFill>
+          <a:blip r:embed="rId2">
+            <a:extLst>
+              <a:ext uri="{28A0092B-C50C-407E-A947-70E740481C1C}">
+                <a14:useLocalDpi xmlns:a14="http://schemas.microsoft.com/office/drawing/2010/main" val="0"/>
+              </a:ext>
+            </a:extLst>
+          </a:blip>
+          <a:stretch>
+            <a:fillRect/>
+          </a:stretch>
+        </p:blipFill>
+        <p:spPr>
+          <a:xfrm>
+            <a:off x="1867270" y="1319074"/>
+            <a:ext cx="4876800" cy="4876800"/>
+          </a:xfrm>
+          <a:prstGeom prst="rect">
+            <a:avLst/>
+          </a:prstGeom>
+        </p:spPr>
+      </p:pic>
     </p:spTree>
     <p:extLst>
       <p:ext uri="{BB962C8B-B14F-4D97-AF65-F5344CB8AC3E}">
@@ -7150,6 +7931,13 @@
   <p:clrMapOvr>
     <a:masterClrMapping/>
   </p:clrMapOvr>
+  <p:timing>
+    <p:tnLst>
+      <p:par>
+        <p:cTn id="1" dur="indefinite" restart="never" nodeType="tmRoot"/>
+      </p:par>
+    </p:tnLst>
+  </p:timing>
 </p:sld>
 </file>
 
@@ -7175,7 +7963,7 @@
           <p:cNvPr id="2" name="标题 1">
             <a:extLst>
               <a:ext uri="{FF2B5EF4-FFF2-40B4-BE49-F238E27FC236}">
-                <a16:creationId xmlns:a16="http://schemas.microsoft.com/office/drawing/2014/main" id="{98DD0BAA-57DF-4A32-A811-0CB9093551E9}"/>
+                <a16:creationId xmlns:a16="http://schemas.microsoft.com/office/drawing/2014/main" xmlns="" id="{98DD0BAA-57DF-4A32-A811-0CB9093551E9}"/>
               </a:ext>
             </a:extLst>
           </p:cNvPr>
@@ -7191,7 +7979,10 @@
           <a:bodyPr/>
           <a:lstStyle/>
           <a:p>
-            <a:endParaRPr lang="zh-CN" altLang="en-US" dirty="0"/>
+            <a:r>
+              <a:rPr lang="zh-CN" altLang="en-US" dirty="0"/>
+              <a:t>行为建模</a:t>
+            </a:r>
           </a:p>
         </p:txBody>
       </p:sp>
@@ -7200,7 +7991,7 @@
           <p:cNvPr id="3" name="内容占位符 2">
             <a:extLst>
               <a:ext uri="{FF2B5EF4-FFF2-40B4-BE49-F238E27FC236}">
-                <a16:creationId xmlns:a16="http://schemas.microsoft.com/office/drawing/2014/main" id="{30B35014-55CF-4082-8A8D-233CF1522669}"/>
+                <a16:creationId xmlns:a16="http://schemas.microsoft.com/office/drawing/2014/main" xmlns="" id="{30B35014-55CF-4082-8A8D-233CF1522669}"/>
               </a:ext>
             </a:extLst>
           </p:cNvPr>
@@ -7225,7 +8016,7 @@
           <p:cNvPr id="4" name="图片 3">
             <a:extLst>
               <a:ext uri="{FF2B5EF4-FFF2-40B4-BE49-F238E27FC236}">
-                <a16:creationId xmlns:a16="http://schemas.microsoft.com/office/drawing/2014/main" id="{73B159EB-4060-411A-BB26-CC47D6D77E4D}"/>
+                <a16:creationId xmlns:a16="http://schemas.microsoft.com/office/drawing/2014/main" xmlns="" id="{73B159EB-4060-411A-BB26-CC47D6D77E4D}"/>
               </a:ext>
             </a:extLst>
           </p:cNvPr>
@@ -7285,7 +8076,7 @@
           <p:cNvPr id="2" name="标题 1">
             <a:extLst>
               <a:ext uri="{FF2B5EF4-FFF2-40B4-BE49-F238E27FC236}">
-                <a16:creationId xmlns:a16="http://schemas.microsoft.com/office/drawing/2014/main" id="{2ACA725C-B427-415E-9E7A-9339ED0D107F}"/>
+                <a16:creationId xmlns:a16="http://schemas.microsoft.com/office/drawing/2014/main" xmlns="" id="{2ACA725C-B427-415E-9E7A-9339ED0D107F}"/>
               </a:ext>
             </a:extLst>
           </p:cNvPr>
@@ -7322,7 +8113,7 @@
           <p:cNvPr id="3" name="内容占位符 2">
             <a:extLst>
               <a:ext uri="{FF2B5EF4-FFF2-40B4-BE49-F238E27FC236}">
-                <a16:creationId xmlns:a16="http://schemas.microsoft.com/office/drawing/2014/main" id="{238C17FA-AF5C-495F-BF82-8C877329DFAA}"/>
+                <a16:creationId xmlns:a16="http://schemas.microsoft.com/office/drawing/2014/main" xmlns="" id="{238C17FA-AF5C-495F-BF82-8C877329DFAA}"/>
               </a:ext>
             </a:extLst>
           </p:cNvPr>
@@ -7347,7 +8138,7 @@
           <p:cNvPr id="4" name="图片 3">
             <a:extLst>
               <a:ext uri="{FF2B5EF4-FFF2-40B4-BE49-F238E27FC236}">
-                <a16:creationId xmlns:a16="http://schemas.microsoft.com/office/drawing/2014/main" id="{31771D76-334E-439B-981A-7AF58436D261}"/>
+                <a16:creationId xmlns:a16="http://schemas.microsoft.com/office/drawing/2014/main" xmlns="" id="{31771D76-334E-439B-981A-7AF58436D261}"/>
               </a:ext>
             </a:extLst>
           </p:cNvPr>
@@ -7407,7 +8198,7 @@
           <p:cNvPr id="2" name="标题 1">
             <a:extLst>
               <a:ext uri="{FF2B5EF4-FFF2-40B4-BE49-F238E27FC236}">
-                <a16:creationId xmlns:a16="http://schemas.microsoft.com/office/drawing/2014/main" id="{62E31DAD-47FB-4776-B10F-A1803F00ACAB}"/>
+                <a16:creationId xmlns:a16="http://schemas.microsoft.com/office/drawing/2014/main" xmlns="" id="{50E7BE1E-6C21-4375-93FA-F49653698016}"/>
               </a:ext>
             </a:extLst>
           </p:cNvPr>
@@ -7424,10 +8215,9 @@
           <a:lstStyle/>
           <a:p>
             <a:r>
-              <a:rPr lang="zh-CN" altLang="en-US" b="0" dirty="0"/>
-              <a:t>过程赋值</a:t>
-            </a:r>
-            <a:endParaRPr lang="zh-CN" altLang="en-US" dirty="0"/>
+              <a:rPr lang="zh-CN" altLang="en-US" dirty="0"/>
+              <a:t>过程块</a:t>
+            </a:r>
           </a:p>
         </p:txBody>
       </p:sp>
@@ -7436,7 +8226,7 @@
           <p:cNvPr id="3" name="内容占位符 2">
             <a:extLst>
               <a:ext uri="{FF2B5EF4-FFF2-40B4-BE49-F238E27FC236}">
-                <a16:creationId xmlns:a16="http://schemas.microsoft.com/office/drawing/2014/main" id="{5F6B5EEE-3E4A-41F6-BFE4-BB5049C7B4D5}"/>
+                <a16:creationId xmlns:a16="http://schemas.microsoft.com/office/drawing/2014/main" xmlns="" id="{43C52F19-6128-4835-8B9C-D75139A84B6B}"/>
               </a:ext>
             </a:extLst>
           </p:cNvPr>
@@ -7452,44 +8242,116 @@
           <a:bodyPr/>
           <a:lstStyle/>
           <a:p>
-            <a:endParaRPr lang="zh-CN" altLang="en-US" dirty="0"/>
+            <a:r>
+              <a:rPr lang="zh-CN" altLang="en-US" dirty="0"/>
+              <a:t>与</a:t>
+            </a:r>
+            <a:r>
+              <a:rPr lang="en-US" altLang="zh-CN" dirty="0"/>
+              <a:t>c</a:t>
+            </a:r>
+            <a:r>
+              <a:rPr lang="zh-CN" altLang="en-US" dirty="0"/>
+              <a:t>语言不同，</a:t>
+            </a:r>
+            <a:r>
+              <a:rPr lang="en-US" altLang="zh-CN" dirty="0"/>
+              <a:t>Verilog</a:t>
+            </a:r>
+            <a:r>
+              <a:rPr lang="zh-CN" altLang="en-US" dirty="0"/>
+              <a:t>在本质上是</a:t>
+            </a:r>
+            <a:r>
+              <a:rPr lang="zh-CN" altLang="en-US" dirty="0">
+                <a:solidFill>
+                  <a:srgbClr val="7030A0"/>
+                </a:solidFill>
+              </a:rPr>
+              <a:t>并发</a:t>
+            </a:r>
+            <a:r>
+              <a:rPr lang="zh-CN" altLang="en-US" dirty="0"/>
+              <a:t>而非顺序的。</a:t>
+            </a:r>
+            <a:endParaRPr lang="en-US" altLang="zh-CN" dirty="0"/>
+          </a:p>
+          <a:p>
+            <a:endParaRPr lang="en-US" altLang="zh-CN" dirty="0"/>
+          </a:p>
+          <a:p>
+            <a:r>
+              <a:rPr lang="zh-CN" altLang="en-US" dirty="0"/>
+              <a:t>每个</a:t>
+            </a:r>
+            <a:r>
+              <a:rPr lang="en-US" altLang="zh-CN" dirty="0"/>
+              <a:t>initial</a:t>
+            </a:r>
+            <a:r>
+              <a:rPr lang="zh-CN" altLang="en-US" dirty="0"/>
+              <a:t>和</a:t>
+            </a:r>
+            <a:r>
+              <a:rPr lang="en-US" altLang="zh-CN" dirty="0"/>
+              <a:t>always</a:t>
+            </a:r>
+            <a:r>
+              <a:rPr lang="zh-CN" altLang="en-US" dirty="0"/>
+              <a:t>语句代表一个</a:t>
+            </a:r>
+            <a:r>
+              <a:rPr lang="zh-CN" altLang="en-US" dirty="0">
+                <a:solidFill>
+                  <a:srgbClr val="7030A0"/>
+                </a:solidFill>
+              </a:rPr>
+              <a:t>独立</a:t>
+            </a:r>
+            <a:r>
+              <a:rPr lang="zh-CN" altLang="en-US" dirty="0"/>
+              <a:t>的执行过程，每个执行过程从仿真时间</a:t>
+            </a:r>
+            <a:r>
+              <a:rPr lang="en-US" altLang="zh-CN" dirty="0"/>
+              <a:t>0</a:t>
+            </a:r>
+            <a:r>
+              <a:rPr lang="zh-CN" altLang="en-US" dirty="0"/>
+              <a:t>开始执行</a:t>
+            </a:r>
+            <a:r>
+              <a:rPr lang="en-US" altLang="zh-CN" dirty="0"/>
+              <a:t>.</a:t>
+            </a:r>
+          </a:p>
+          <a:p>
+            <a:endParaRPr lang="en-US" altLang="zh-CN" dirty="0"/>
+          </a:p>
+          <a:p>
+            <a:r>
+              <a:rPr lang="zh-CN" altLang="en-US" dirty="0"/>
+              <a:t>这两种语句都</a:t>
+            </a:r>
+            <a:r>
+              <a:rPr lang="zh-CN" altLang="en-US" dirty="0">
+                <a:solidFill>
+                  <a:srgbClr val="7030A0"/>
+                </a:solidFill>
+              </a:rPr>
+              <a:t>不能嵌套</a:t>
+            </a:r>
+            <a:r>
+              <a:rPr lang="zh-CN" altLang="en-US" dirty="0"/>
+              <a:t>使用。</a:t>
+            </a:r>
           </a:p>
         </p:txBody>
       </p:sp>
-      <p:pic>
-        <p:nvPicPr>
-          <p:cNvPr id="4" name="图片 3">
-            <a:extLst>
-              <a:ext uri="{FF2B5EF4-FFF2-40B4-BE49-F238E27FC236}">
-                <a16:creationId xmlns:a16="http://schemas.microsoft.com/office/drawing/2014/main" id="{CEADB00F-428D-4710-B7EA-E5B735FC4283}"/>
-              </a:ext>
-            </a:extLst>
-          </p:cNvPr>
-          <p:cNvPicPr>
-            <a:picLocks noChangeAspect="1"/>
-          </p:cNvPicPr>
-          <p:nvPr/>
-        </p:nvPicPr>
-        <p:blipFill>
-          <a:blip r:embed="rId2"/>
-          <a:stretch>
-            <a:fillRect/>
-          </a:stretch>
-        </p:blipFill>
-        <p:spPr>
-          <a:xfrm>
-            <a:off x="0" y="771954"/>
-            <a:ext cx="9144000" cy="6079206"/>
-          </a:xfrm>
-          <a:prstGeom prst="rect">
-            <a:avLst/>
-          </a:prstGeom>
-        </p:spPr>
-      </p:pic>
     </p:spTree>
     <p:extLst>
       <p:ext uri="{BB962C8B-B14F-4D97-AF65-F5344CB8AC3E}">
-        <p14:creationId xmlns:p14="http://schemas.microsoft.com/office/powerpoint/2010/main" val="4211212497"/>
+        <p14:creationId xmlns:p14="http://schemas.microsoft.com/office/powerpoint/2010/main" val="2392336718"/>
       </p:ext>
     </p:extLst>
   </p:cSld>
@@ -7521,7 +8383,7 @@
           <p:cNvPr id="2" name="标题 1">
             <a:extLst>
               <a:ext uri="{FF2B5EF4-FFF2-40B4-BE49-F238E27FC236}">
-                <a16:creationId xmlns:a16="http://schemas.microsoft.com/office/drawing/2014/main" id="{7048E919-39E5-4322-9644-B0AD9B06D62D}"/>
+                <a16:creationId xmlns:a16="http://schemas.microsoft.com/office/drawing/2014/main" xmlns="" id="{539C7F5D-459D-441B-B364-57B61E206572}"/>
               </a:ext>
             </a:extLst>
           </p:cNvPr>
@@ -7538,10 +8400,13 @@
           <a:lstStyle/>
           <a:p>
             <a:r>
-              <a:rPr lang="zh-CN" altLang="en-US" b="0"/>
-              <a:t>过程时序控制</a:t>
-            </a:r>
-            <a:endParaRPr lang="zh-CN" altLang="en-US"/>
+              <a:rPr lang="en-US" altLang="zh-CN" dirty="0"/>
+              <a:t>initial</a:t>
+            </a:r>
+            <a:r>
+              <a:rPr lang="zh-CN" altLang="en-US" dirty="0"/>
+              <a:t>语句</a:t>
+            </a:r>
           </a:p>
         </p:txBody>
       </p:sp>
@@ -7550,7 +8415,7 @@
           <p:cNvPr id="3" name="内容占位符 2">
             <a:extLst>
               <a:ext uri="{FF2B5EF4-FFF2-40B4-BE49-F238E27FC236}">
-                <a16:creationId xmlns:a16="http://schemas.microsoft.com/office/drawing/2014/main" id="{C3E61F77-E95A-4973-B0F9-2755AD5D1FA5}"/>
+                <a16:creationId xmlns:a16="http://schemas.microsoft.com/office/drawing/2014/main" xmlns="" id="{2AD01271-95D8-4E49-ABFD-B052CACCAC19}"/>
               </a:ext>
             </a:extLst>
           </p:cNvPr>
@@ -7566,131 +8431,76 @@
           <a:bodyPr/>
           <a:lstStyle/>
           <a:p>
+            <a:r>
+              <a:rPr lang="zh-CN" altLang="en-US" dirty="0"/>
+              <a:t>一个模块中可以包含若干个</a:t>
+            </a:r>
+            <a:r>
+              <a:rPr lang="en-US" altLang="zh-CN" dirty="0"/>
+              <a:t>initial</a:t>
+            </a:r>
+            <a:r>
+              <a:rPr lang="zh-CN" altLang="en-US" dirty="0"/>
+              <a:t>块。</a:t>
+            </a:r>
+            <a:endParaRPr lang="en-US" altLang="zh-CN" dirty="0"/>
+          </a:p>
+          <a:p>
+            <a:endParaRPr lang="en-US" altLang="zh-CN" dirty="0"/>
+          </a:p>
+          <a:p>
+            <a:r>
+              <a:rPr lang="zh-CN" altLang="en-US" dirty="0"/>
+              <a:t>每个块都是独立的。</a:t>
+            </a:r>
+            <a:endParaRPr lang="en-US" altLang="zh-CN" dirty="0"/>
+          </a:p>
+          <a:p>
+            <a:endParaRPr lang="en-US" altLang="zh-CN" dirty="0"/>
+          </a:p>
+          <a:p>
+            <a:r>
+              <a:rPr lang="zh-CN" altLang="en-US" dirty="0"/>
+              <a:t>如果在块内包含多条</a:t>
+            </a:r>
+            <a:r>
+              <a:rPr lang="en-US" altLang="zh-CN" dirty="0"/>
+              <a:t>initial</a:t>
+            </a:r>
+            <a:r>
+              <a:rPr lang="zh-CN" altLang="en-US" dirty="0"/>
+              <a:t>语句，那么就必须通过关键字</a:t>
+            </a:r>
+            <a:r>
+              <a:rPr lang="en-US" altLang="zh-CN" dirty="0"/>
+              <a:t>begin</a:t>
+            </a:r>
+            <a:r>
+              <a:rPr lang="zh-CN" altLang="en-US" dirty="0"/>
+              <a:t>和</a:t>
+            </a:r>
+            <a:r>
+              <a:rPr lang="en-US" altLang="zh-CN" dirty="0"/>
+              <a:t>end</a:t>
+            </a:r>
+            <a:r>
+              <a:rPr lang="zh-CN" altLang="en-US" dirty="0"/>
+              <a:t>，将他们组合成为一个块语句。</a:t>
+            </a:r>
+            <a:endParaRPr lang="en-US" altLang="zh-CN" dirty="0"/>
+          </a:p>
+          <a:p>
             <a:pPr marL="0" indent="0">
               <a:buNone/>
             </a:pPr>
-            <a:r>
-              <a:rPr lang="zh-CN" altLang="en-US" dirty="0"/>
-              <a:t>在过程块中可以说明过程时序。过程时序控制有两类：</a:t>
-            </a:r>
-            <a:endParaRPr lang="en-US" altLang="zh-CN" dirty="0"/>
-          </a:p>
-          <a:p>
-            <a:r>
-              <a:rPr lang="zh-CN" altLang="en-US" dirty="0"/>
-              <a:t>简单延时</a:t>
-            </a:r>
-            <a:r>
-              <a:rPr lang="en-US" altLang="zh-CN" dirty="0">
-                <a:solidFill>
-                  <a:srgbClr val="FF0000"/>
-                </a:solidFill>
-              </a:rPr>
-              <a:t>(#delay)</a:t>
-            </a:r>
-            <a:r>
-              <a:rPr lang="zh-CN" altLang="en-US" dirty="0"/>
-              <a:t>：延迟指定时间步后执行</a:t>
-            </a:r>
-            <a:endParaRPr lang="en-US" altLang="zh-CN" dirty="0"/>
-          </a:p>
-          <a:p>
-            <a:r>
-              <a:rPr lang="zh-CN" altLang="en-US" dirty="0"/>
-              <a:t>边沿敏感的时序控制：</a:t>
-            </a:r>
-            <a:r>
-              <a:rPr lang="en-US" altLang="zh-CN" dirty="0"/>
-              <a:t>@(&lt;signal&gt;)</a:t>
-            </a:r>
-          </a:p>
-          <a:p>
-            <a:pPr marL="0" indent="0">
-              <a:buNone/>
-            </a:pPr>
-            <a:r>
-              <a:rPr lang="en-US" altLang="zh-CN" dirty="0"/>
-              <a:t>–</a:t>
-            </a:r>
-            <a:r>
-              <a:rPr lang="zh-CN" altLang="en-US" dirty="0"/>
-              <a:t>在信号发生翻转后执行。</a:t>
-            </a:r>
-            <a:endParaRPr lang="en-US" altLang="zh-CN" dirty="0"/>
-          </a:p>
-          <a:p>
-            <a:pPr marL="0" indent="0">
-              <a:buNone/>
-            </a:pPr>
-            <a:r>
-              <a:rPr lang="en-US" altLang="zh-CN" dirty="0"/>
-              <a:t>–</a:t>
-            </a:r>
-            <a:r>
-              <a:rPr lang="zh-CN" altLang="en-US" dirty="0"/>
-              <a:t>可以说明信号有效沿是上升沿</a:t>
-            </a:r>
-            <a:r>
-              <a:rPr lang="en-US" altLang="zh-CN" dirty="0"/>
-              <a:t>(</a:t>
-            </a:r>
-            <a:r>
-              <a:rPr lang="en-US" altLang="zh-CN" dirty="0" err="1"/>
-              <a:t>posedge</a:t>
-            </a:r>
-            <a:r>
-              <a:rPr lang="en-US" altLang="zh-CN" dirty="0"/>
-              <a:t>)</a:t>
-            </a:r>
-            <a:r>
-              <a:rPr lang="zh-CN" altLang="en-US" dirty="0"/>
-              <a:t>还是下降沿</a:t>
-            </a:r>
-            <a:r>
-              <a:rPr lang="en-US" altLang="zh-CN" dirty="0"/>
-              <a:t>(</a:t>
-            </a:r>
-            <a:r>
-              <a:rPr lang="en-US" altLang="zh-CN" dirty="0" err="1"/>
-              <a:t>negedge</a:t>
-            </a:r>
-            <a:r>
-              <a:rPr lang="en-US" altLang="zh-CN" dirty="0"/>
-              <a:t>)</a:t>
-            </a:r>
-            <a:r>
-              <a:rPr lang="zh-CN" altLang="en-US" dirty="0"/>
-              <a:t>。</a:t>
-            </a:r>
-            <a:endParaRPr lang="en-US" altLang="zh-CN" dirty="0"/>
-          </a:p>
-          <a:p>
-            <a:pPr marL="0" indent="0">
-              <a:buNone/>
-            </a:pPr>
-            <a:r>
-              <a:rPr lang="en-US" altLang="zh-CN" dirty="0"/>
-              <a:t>–</a:t>
-            </a:r>
-            <a:r>
-              <a:rPr lang="zh-CN" altLang="en-US" dirty="0"/>
-              <a:t>可以用关键字</a:t>
-            </a:r>
-            <a:r>
-              <a:rPr lang="en-US" altLang="zh-CN" dirty="0"/>
-              <a:t>or</a:t>
-            </a:r>
-            <a:r>
-              <a:rPr lang="zh-CN" altLang="en-US" dirty="0"/>
-              <a:t>指定多个参数。</a:t>
-            </a:r>
+            <a:endParaRPr lang="zh-CN" altLang="en-US" dirty="0"/>
           </a:p>
         </p:txBody>
       </p:sp>
     </p:spTree>
     <p:extLst>
       <p:ext uri="{BB962C8B-B14F-4D97-AF65-F5344CB8AC3E}">
-        <p14:creationId xmlns:p14="http://schemas.microsoft.com/office/powerpoint/2010/main" val="429502198"/>
+        <p14:creationId xmlns:p14="http://schemas.microsoft.com/office/powerpoint/2010/main" val="1749049236"/>
       </p:ext>
     </p:extLst>
   </p:cSld>
@@ -7722,7 +8532,7 @@
           <p:cNvPr id="2" name="标题 1">
             <a:extLst>
               <a:ext uri="{FF2B5EF4-FFF2-40B4-BE49-F238E27FC236}">
-                <a16:creationId xmlns:a16="http://schemas.microsoft.com/office/drawing/2014/main" id="{10ED9C34-8207-4DC5-B4A5-47546BA44DAF}"/>
+                <a16:creationId xmlns:a16="http://schemas.microsoft.com/office/drawing/2014/main" xmlns="" id="{1309CF93-A4B9-423C-B90A-10E5CCE80610}"/>
               </a:ext>
             </a:extLst>
           </p:cNvPr>
@@ -7739,8 +8549,8 @@
           <a:lstStyle/>
           <a:p>
             <a:r>
-              <a:rPr lang="zh-CN" altLang="en-US" b="0" dirty="0"/>
-              <a:t>简单延时</a:t>
+              <a:rPr lang="en-US" altLang="zh-CN" dirty="0"/>
+              <a:t>initial</a:t>
             </a:r>
             <a:endParaRPr lang="zh-CN" altLang="en-US" dirty="0"/>
           </a:p>
@@ -7751,7 +8561,7 @@
           <p:cNvPr id="3" name="内容占位符 2">
             <a:extLst>
               <a:ext uri="{FF2B5EF4-FFF2-40B4-BE49-F238E27FC236}">
-                <a16:creationId xmlns:a16="http://schemas.microsoft.com/office/drawing/2014/main" id="{D0327BBF-ED03-4132-A909-94B00690D6CD}"/>
+                <a16:creationId xmlns:a16="http://schemas.microsoft.com/office/drawing/2014/main" xmlns="" id="{1C27A86F-F7FE-41D0-B9BD-F500B8DF650C}"/>
               </a:ext>
             </a:extLst>
           </p:cNvPr>
@@ -7767,44 +8577,116 @@
           <a:bodyPr/>
           <a:lstStyle/>
           <a:p>
-            <a:endParaRPr lang="zh-CN" altLang="en-US"/>
+            <a:r>
+              <a:rPr lang="en-US" altLang="zh-CN" dirty="0"/>
+              <a:t>initial</a:t>
+            </a:r>
+            <a:r>
+              <a:rPr lang="zh-CN" altLang="en-US" dirty="0"/>
+              <a:t>语句一般用于初始化、信号监视、生成仿真波形等目的</a:t>
+            </a:r>
+            <a:endParaRPr lang="en-US" altLang="zh-CN" dirty="0"/>
+          </a:p>
+          <a:p>
+            <a:pPr marL="0" indent="0">
+              <a:buNone/>
+            </a:pPr>
+            <a:r>
+              <a:rPr lang="en-US" altLang="zh-CN" dirty="0">
+                <a:solidFill>
+                  <a:srgbClr val="7030A0"/>
+                </a:solidFill>
+              </a:rPr>
+              <a:t>initial a=1’b1;   </a:t>
+            </a:r>
+          </a:p>
+          <a:p>
+            <a:pPr marL="0" indent="0">
+              <a:buNone/>
+            </a:pPr>
+            <a:r>
+              <a:rPr lang="en-US" altLang="zh-CN" dirty="0">
+                <a:solidFill>
+                  <a:srgbClr val="FF0000"/>
+                </a:solidFill>
+              </a:rPr>
+              <a:t>initial #100 $finish;</a:t>
+            </a:r>
+          </a:p>
+          <a:p>
+            <a:pPr marL="0" indent="0">
+              <a:buNone/>
+            </a:pPr>
+            <a:r>
+              <a:rPr lang="en-US" altLang="zh-CN" dirty="0">
+                <a:solidFill>
+                  <a:srgbClr val="00B050"/>
+                </a:solidFill>
+              </a:rPr>
+              <a:t>initial</a:t>
+            </a:r>
+          </a:p>
+          <a:p>
+            <a:pPr marL="0" indent="0">
+              <a:buNone/>
+            </a:pPr>
+            <a:r>
+              <a:rPr lang="en-US" altLang="zh-CN" dirty="0">
+                <a:solidFill>
+                  <a:srgbClr val="00B050"/>
+                </a:solidFill>
+              </a:rPr>
+              <a:t>begin</a:t>
+            </a:r>
+          </a:p>
+          <a:p>
+            <a:pPr marL="0" indent="0">
+              <a:buNone/>
+            </a:pPr>
+            <a:r>
+              <a:rPr lang="en-US" altLang="zh-CN" dirty="0">
+                <a:solidFill>
+                  <a:srgbClr val="00B050"/>
+                </a:solidFill>
+              </a:rPr>
+              <a:t>	a=1’b1;</a:t>
+            </a:r>
+          </a:p>
+          <a:p>
+            <a:pPr marL="0" indent="0">
+              <a:buNone/>
+            </a:pPr>
+            <a:r>
+              <a:rPr lang="en-US" altLang="zh-CN" dirty="0">
+                <a:solidFill>
+                  <a:srgbClr val="00B050"/>
+                </a:solidFill>
+              </a:rPr>
+              <a:t>	b=1’b0;</a:t>
+            </a:r>
+          </a:p>
+          <a:p>
+            <a:pPr marL="0" indent="0">
+              <a:buNone/>
+            </a:pPr>
+            <a:r>
+              <a:rPr lang="en-US" altLang="zh-CN" dirty="0">
+                <a:solidFill>
+                  <a:srgbClr val="00B050"/>
+                </a:solidFill>
+              </a:rPr>
+              <a:t>end</a:t>
+            </a:r>
+          </a:p>
+          <a:p>
+            <a:endParaRPr lang="zh-CN" altLang="en-US" dirty="0"/>
           </a:p>
         </p:txBody>
       </p:sp>
-      <p:pic>
-        <p:nvPicPr>
-          <p:cNvPr id="4" name="图片 3">
-            <a:extLst>
-              <a:ext uri="{FF2B5EF4-FFF2-40B4-BE49-F238E27FC236}">
-                <a16:creationId xmlns:a16="http://schemas.microsoft.com/office/drawing/2014/main" id="{C0A4E2B4-1D3C-4501-AB8E-6DB6B9C1C581}"/>
-              </a:ext>
-            </a:extLst>
-          </p:cNvPr>
-          <p:cNvPicPr>
-            <a:picLocks noChangeAspect="1"/>
-          </p:cNvPicPr>
-          <p:nvPr/>
-        </p:nvPicPr>
-        <p:blipFill>
-          <a:blip r:embed="rId2"/>
-          <a:stretch>
-            <a:fillRect/>
-          </a:stretch>
-        </p:blipFill>
-        <p:spPr>
-          <a:xfrm>
-            <a:off x="0" y="838723"/>
-            <a:ext cx="9144000" cy="6038974"/>
-          </a:xfrm>
-          <a:prstGeom prst="rect">
-            <a:avLst/>
-          </a:prstGeom>
-        </p:spPr>
-      </p:pic>
     </p:spTree>
     <p:extLst>
       <p:ext uri="{BB962C8B-B14F-4D97-AF65-F5344CB8AC3E}">
-        <p14:creationId xmlns:p14="http://schemas.microsoft.com/office/powerpoint/2010/main" val="3107410541"/>
+        <p14:creationId xmlns:p14="http://schemas.microsoft.com/office/powerpoint/2010/main" val="54204490"/>
       </p:ext>
     </p:extLst>
   </p:cSld>
@@ -7836,7 +8718,7 @@
           <p:cNvPr id="2" name="标题 1">
             <a:extLst>
               <a:ext uri="{FF2B5EF4-FFF2-40B4-BE49-F238E27FC236}">
-                <a16:creationId xmlns:a16="http://schemas.microsoft.com/office/drawing/2014/main" id="{F7460E86-EC6E-4F99-AF6A-18CA79F29A37}"/>
+                <a16:creationId xmlns:a16="http://schemas.microsoft.com/office/drawing/2014/main" xmlns="" id="{44D00F22-9EC7-4C88-93AE-289D639B8B04}"/>
               </a:ext>
             </a:extLst>
           </p:cNvPr>
@@ -7853,10 +8735,13 @@
           <a:lstStyle/>
           <a:p>
             <a:r>
-              <a:rPr lang="zh-CN" altLang="en-US" b="0" dirty="0"/>
-              <a:t>边沿敏感时序</a:t>
-            </a:r>
-            <a:endParaRPr lang="zh-CN" altLang="en-US" dirty="0"/>
+              <a:rPr lang="en-US" altLang="zh-CN" dirty="0"/>
+              <a:t>always</a:t>
+            </a:r>
+            <a:r>
+              <a:rPr lang="zh-CN" altLang="en-US" dirty="0"/>
+              <a:t>语句</a:t>
+            </a:r>
           </a:p>
         </p:txBody>
       </p:sp>
@@ -7865,7 +8750,7 @@
           <p:cNvPr id="3" name="内容占位符 2">
             <a:extLst>
               <a:ext uri="{FF2B5EF4-FFF2-40B4-BE49-F238E27FC236}">
-                <a16:creationId xmlns:a16="http://schemas.microsoft.com/office/drawing/2014/main" id="{7445A41F-2B27-4319-B20B-E58A361EED60}"/>
+                <a16:creationId xmlns:a16="http://schemas.microsoft.com/office/drawing/2014/main" xmlns="" id="{48747CD1-C1A8-4E4F-AB6B-FAFCB89ACF4A}"/>
               </a:ext>
             </a:extLst>
           </p:cNvPr>
@@ -7881,44 +8766,78 @@
           <a:bodyPr/>
           <a:lstStyle/>
           <a:p>
-            <a:endParaRPr lang="zh-CN" altLang="en-US"/>
+            <a:r>
+              <a:rPr lang="en-US" altLang="zh-CN" dirty="0"/>
+              <a:t>always</a:t>
+            </a:r>
+            <a:r>
+              <a:rPr lang="zh-CN" altLang="en-US" dirty="0"/>
+              <a:t>语句，包括的所有行为语句构成了一个</a:t>
+            </a:r>
+            <a:r>
+              <a:rPr lang="en-US" altLang="zh-CN" dirty="0"/>
+              <a:t>always</a:t>
+            </a:r>
+            <a:r>
+              <a:rPr lang="zh-CN" altLang="en-US" dirty="0"/>
+              <a:t>语句块</a:t>
+            </a:r>
+            <a:r>
+              <a:rPr lang="en-US" altLang="zh-CN" dirty="0"/>
+              <a:t>.</a:t>
+            </a:r>
+          </a:p>
+          <a:p>
+            <a:r>
+              <a:rPr lang="zh-CN" altLang="en-US" dirty="0"/>
+              <a:t>该语句块，从仿真</a:t>
+            </a:r>
+            <a:r>
+              <a:rPr lang="en-US" altLang="zh-CN" dirty="0"/>
+              <a:t>0</a:t>
+            </a:r>
+            <a:r>
+              <a:rPr lang="zh-CN" altLang="en-US" dirty="0"/>
+              <a:t>时刻开始顺序执行其中的行为语句，在最后一条执行完后，再次开始执行其中的第</a:t>
+            </a:r>
+            <a:r>
+              <a:rPr lang="en-US" altLang="zh-CN" dirty="0"/>
+              <a:t>1</a:t>
+            </a:r>
+            <a:r>
+              <a:rPr lang="zh-CN" altLang="en-US" dirty="0"/>
+              <a:t>条语句，如此循环往复，直至整个仿真结束。</a:t>
+            </a:r>
+            <a:endParaRPr lang="en-US" altLang="zh-CN" dirty="0"/>
+          </a:p>
+          <a:p>
+            <a:r>
+              <a:rPr lang="zh-CN" altLang="en-US" dirty="0"/>
+              <a:t>从硬件设计的角度来看，它真实的反应了硬件电路在通电以后连续的反复执行的特点。这种执行停止的原因只能是断电（</a:t>
+            </a:r>
+            <a:r>
+              <a:rPr lang="en-US" altLang="zh-CN" dirty="0"/>
+              <a:t>$finish</a:t>
+            </a:r>
+            <a:r>
+              <a:rPr lang="zh-CN" altLang="en-US" dirty="0"/>
+              <a:t>）和中断</a:t>
+            </a:r>
+            <a:r>
+              <a:rPr lang="en-US" altLang="zh-CN" dirty="0"/>
+              <a:t>($stop)</a:t>
+            </a:r>
+            <a:r>
+              <a:rPr lang="zh-CN" altLang="en-US" dirty="0"/>
+              <a:t>。</a:t>
+            </a:r>
           </a:p>
         </p:txBody>
       </p:sp>
-      <p:pic>
-        <p:nvPicPr>
-          <p:cNvPr id="4" name="图片 3">
-            <a:extLst>
-              <a:ext uri="{FF2B5EF4-FFF2-40B4-BE49-F238E27FC236}">
-                <a16:creationId xmlns:a16="http://schemas.microsoft.com/office/drawing/2014/main" id="{F69489A7-7434-4EC1-94C1-C110D5E03EBA}"/>
-              </a:ext>
-            </a:extLst>
-          </p:cNvPr>
-          <p:cNvPicPr>
-            <a:picLocks noChangeAspect="1"/>
-          </p:cNvPicPr>
-          <p:nvPr/>
-        </p:nvPicPr>
-        <p:blipFill>
-          <a:blip r:embed="rId2"/>
-          <a:stretch>
-            <a:fillRect/>
-          </a:stretch>
-        </p:blipFill>
-        <p:spPr>
-          <a:xfrm>
-            <a:off x="0" y="979046"/>
-            <a:ext cx="9144000" cy="5776990"/>
-          </a:xfrm>
-          <a:prstGeom prst="rect">
-            <a:avLst/>
-          </a:prstGeom>
-        </p:spPr>
-      </p:pic>
     </p:spTree>
     <p:extLst>
       <p:ext uri="{BB962C8B-B14F-4D97-AF65-F5344CB8AC3E}">
-        <p14:creationId xmlns:p14="http://schemas.microsoft.com/office/powerpoint/2010/main" val="3325782757"/>
+        <p14:creationId xmlns:p14="http://schemas.microsoft.com/office/powerpoint/2010/main" val="968361262"/>
       </p:ext>
     </p:extLst>
   </p:cSld>
@@ -7950,7 +8869,7 @@
           <p:cNvPr id="2" name="标题 1">
             <a:extLst>
               <a:ext uri="{FF2B5EF4-FFF2-40B4-BE49-F238E27FC236}">
-                <a16:creationId xmlns:a16="http://schemas.microsoft.com/office/drawing/2014/main" id="{D1A72CC2-CA71-4822-BC92-A4B9CA9DFD99}"/>
+                <a16:creationId xmlns:a16="http://schemas.microsoft.com/office/drawing/2014/main" xmlns="" id="{62E31DAD-47FB-4776-B10F-A1803F00ACAB}"/>
               </a:ext>
             </a:extLst>
           </p:cNvPr>
@@ -7968,7 +8887,7 @@
           <a:p>
             <a:r>
               <a:rPr lang="zh-CN" altLang="en-US" b="0" dirty="0"/>
-              <a:t>非阻塞过程赋值</a:t>
+              <a:t>过程赋值</a:t>
             </a:r>
             <a:endParaRPr lang="zh-CN" altLang="en-US" dirty="0"/>
           </a:p>
@@ -7979,7 +8898,7 @@
           <p:cNvPr id="3" name="内容占位符 2">
             <a:extLst>
               <a:ext uri="{FF2B5EF4-FFF2-40B4-BE49-F238E27FC236}">
-                <a16:creationId xmlns:a16="http://schemas.microsoft.com/office/drawing/2014/main" id="{51FFC636-1037-4DDA-A295-17EE87940ABC}"/>
+                <a16:creationId xmlns:a16="http://schemas.microsoft.com/office/drawing/2014/main" xmlns="" id="{5F6B5EEE-3E4A-41F6-BFE4-BB5049C7B4D5}"/>
               </a:ext>
             </a:extLst>
           </p:cNvPr>
@@ -7995,7 +8914,7 @@
           <a:bodyPr/>
           <a:lstStyle/>
           <a:p>
-            <a:endParaRPr lang="zh-CN" altLang="en-US"/>
+            <a:endParaRPr lang="zh-CN" altLang="en-US" dirty="0"/>
           </a:p>
         </p:txBody>
       </p:sp>
@@ -8004,7 +8923,7 @@
           <p:cNvPr id="4" name="图片 3">
             <a:extLst>
               <a:ext uri="{FF2B5EF4-FFF2-40B4-BE49-F238E27FC236}">
-                <a16:creationId xmlns:a16="http://schemas.microsoft.com/office/drawing/2014/main" id="{FC9F4800-9C79-4A98-BC1B-A46F10C62214}"/>
+                <a16:creationId xmlns:a16="http://schemas.microsoft.com/office/drawing/2014/main" xmlns="" id="{CEADB00F-428D-4710-B7EA-E5B735FC4283}"/>
               </a:ext>
             </a:extLst>
           </p:cNvPr>
@@ -8021,8 +8940,8 @@
         </p:blipFill>
         <p:spPr>
           <a:xfrm>
-            <a:off x="0" y="810812"/>
-            <a:ext cx="9144000" cy="6038814"/>
+            <a:off x="0" y="771954"/>
+            <a:ext cx="9144000" cy="6079206"/>
           </a:xfrm>
           <a:prstGeom prst="rect">
             <a:avLst/>
@@ -8032,7 +8951,7 @@
     </p:spTree>
     <p:extLst>
       <p:ext uri="{BB962C8B-B14F-4D97-AF65-F5344CB8AC3E}">
-        <p14:creationId xmlns:p14="http://schemas.microsoft.com/office/powerpoint/2010/main" val="414321116"/>
+        <p14:creationId xmlns:p14="http://schemas.microsoft.com/office/powerpoint/2010/main" val="4211212497"/>
       </p:ext>
     </p:extLst>
   </p:cSld>
@@ -8434,7 +9353,7 @@
     </a:clrScheme>
     <a:fontScheme name="Office">
       <a:majorFont>
-        <a:latin typeface="等线 Light" panose="020F0302020204030204"/>
+        <a:latin typeface="等线 Light"/>
         <a:ea typeface=""/>
         <a:cs typeface=""/>
         <a:font script="Jpan" typeface="游ゴシック Light"/>
@@ -8486,7 +9405,7 @@
         <a:font script="Tfng" typeface="Ebrima"/>
       </a:majorFont>
       <a:minorFont>
-        <a:latin typeface="等线" panose="020F0502020204030204"/>
+        <a:latin typeface="等线"/>
         <a:ea typeface=""/>
         <a:cs typeface=""/>
         <a:font script="Jpan" typeface="游ゴシック"/>
@@ -8680,7 +9599,7 @@
   <a:extraClrSchemeLst/>
   <a:extLst>
     <a:ext uri="{05A4C25C-085E-4340-85A3-A5531E510DB2}">
-      <thm15:themeFamily xmlns:thm15="http://schemas.microsoft.com/office/thememl/2012/main" name="Office Theme" id="{62F939B6-93AF-4DB8-9C6B-D6C7DFDC589F}" vid="{4A3C46E8-61CC-4603-A589-7422A47A8E4A}"/>
+      <thm15:themeFamily xmlns:thm15="http://schemas.microsoft.com/office/thememl/2012/main" xmlns="" name="Office Theme" id="{62F939B6-93AF-4DB8-9C6B-D6C7DFDC589F}" vid="{4A3C46E8-61CC-4603-A589-7422A47A8E4A}"/>
     </a:ext>
   </a:extLst>
 </a:theme>
